--- a/Disser/Presentation/DUBNAPresentationX-short.pptx
+++ b/Disser/Presentation/DUBNAPresentationX-short.pptx
@@ -984,15 +984,7 @@
           <a:pPr rtl="0"/>
           <a:r>
             <a:rPr lang="ru-RU" dirty="0" smtClean="0"/>
-            <a:t>Селектор-&gt; Критик -&gt; </a:t>
-          </a:r>
-          <a:r>
-            <a:rPr lang="ru-RU" dirty="0" smtClean="0"/>
-            <a:t>Образ </a:t>
-          </a:r>
-          <a:r>
-            <a:rPr lang="ru-RU" dirty="0" smtClean="0"/>
-            <a:t>мышления</a:t>
+            <a:t>Селектор-&gt; Критик -&gt; Образ мышления</a:t>
           </a:r>
           <a:endParaRPr lang="ru-RU" dirty="0"/>
         </a:p>
@@ -1307,15 +1299,7 @@
           </a:pPr>
           <a:r>
             <a:rPr lang="ru-RU" sz="2800" kern="1200" dirty="0" smtClean="0"/>
-            <a:t>Селектор-&gt; Критик -&gt; </a:t>
-          </a:r>
-          <a:r>
-            <a:rPr lang="ru-RU" sz="2800" kern="1200" dirty="0" smtClean="0"/>
-            <a:t>Образ </a:t>
-          </a:r>
-          <a:r>
-            <a:rPr lang="ru-RU" sz="2800" kern="1200" dirty="0" smtClean="0"/>
-            <a:t>мышления</a:t>
+            <a:t>Селектор-&gt; Критик -&gt; Образ мышления</a:t>
           </a:r>
           <a:endParaRPr lang="ru-RU" sz="2800" kern="1200" dirty="0"/>
         </a:p>
@@ -2690,7 +2674,7 @@
             <a:fld id="{8498BBCD-A9EC-4E07-A698-E7B8B2576754}" type="datetimeFigureOut">
               <a:rPr lang="ru-RU" smtClean="0"/>
               <a:pPr/>
-              <a:t>18.04.16</a:t>
+              <a:t>20.04.2016</a:t>
             </a:fld>
             <a:endParaRPr lang="ru-RU"/>
           </a:p>
@@ -3018,15 +3002,7 @@
             </a:r>
             <a:r>
               <a:rPr lang="en-US" baseline="0" dirty="0" smtClean="0"/>
-              <a:t> name is Alexander Toshchev and I am postgraduate student from Kazan State </a:t>
-            </a:r>
-            <a:r>
-              <a:rPr lang="en-US" baseline="0" dirty="0" smtClean="0"/>
-              <a:t>University </a:t>
-            </a:r>
-            <a:r>
-              <a:rPr lang="en-US" baseline="0" dirty="0" smtClean="0"/>
-              <a:t>and I would like to present you our project called TU </a:t>
+              <a:t> name is Alexander Toshchev and I am postgraduate student from Kazan State University and I would like to present you our project called TU </a:t>
             </a:r>
           </a:p>
           <a:p>
@@ -12319,7 +12295,7 @@
             <a:fld id="{1D8BD707-D9CF-40AE-B4C6-C98DA3205C09}" type="datetimeFigureOut">
               <a:rPr lang="en-US" smtClean="0"/>
               <a:pPr/>
-              <a:t>4/18/16</a:t>
+              <a:t>4/20/2016</a:t>
             </a:fld>
             <a:endParaRPr lang="en-US"/>
           </a:p>
@@ -12639,7 +12615,7 @@
             <a:fld id="{1D8BD707-D9CF-40AE-B4C6-C98DA3205C09}" type="datetimeFigureOut">
               <a:rPr lang="en-US" smtClean="0"/>
               <a:pPr/>
-              <a:t>4/18/16</a:t>
+              <a:t>4/20/2016</a:t>
             </a:fld>
             <a:endParaRPr lang="en-US"/>
           </a:p>
@@ -12989,7 +12965,7 @@
             <a:fld id="{1D8BD707-D9CF-40AE-B4C6-C98DA3205C09}" type="datetimeFigureOut">
               <a:rPr lang="en-US" smtClean="0"/>
               <a:pPr/>
-              <a:t>4/18/16</a:t>
+              <a:t>4/20/2016</a:t>
             </a:fld>
             <a:endParaRPr lang="en-US"/>
           </a:p>
@@ -13915,7 +13891,7 @@
             <a:fld id="{1D8BD707-D9CF-40AE-B4C6-C98DA3205C09}" type="datetimeFigureOut">
               <a:rPr lang="en-US" smtClean="0"/>
               <a:pPr/>
-              <a:t>4/18/16</a:t>
+              <a:t>4/20/2016</a:t>
             </a:fld>
             <a:endParaRPr lang="en-US" dirty="0"/>
           </a:p>
@@ -14321,7 +14297,7 @@
             <a:fld id="{1D8BD707-D9CF-40AE-B4C6-C98DA3205C09}" type="datetimeFigureOut">
               <a:rPr lang="en-US" smtClean="0"/>
               <a:pPr/>
-              <a:t>4/18/16</a:t>
+              <a:t>4/20/2016</a:t>
             </a:fld>
             <a:endParaRPr lang="en-US"/>
           </a:p>
@@ -14707,7 +14683,7 @@
             <a:fld id="{1D8BD707-D9CF-40AE-B4C6-C98DA3205C09}" type="datetimeFigureOut">
               <a:rPr lang="en-US" smtClean="0"/>
               <a:pPr/>
-              <a:t>4/18/16</a:t>
+              <a:t>4/20/2016</a:t>
             </a:fld>
             <a:endParaRPr lang="en-US"/>
           </a:p>
@@ -15189,7 +15165,7 @@
             <a:fld id="{1D8BD707-D9CF-40AE-B4C6-C98DA3205C09}" type="datetimeFigureOut">
               <a:rPr lang="en-US" smtClean="0"/>
               <a:pPr/>
-              <a:t>4/18/16</a:t>
+              <a:t>4/20/2016</a:t>
             </a:fld>
             <a:endParaRPr lang="en-US"/>
           </a:p>
@@ -15765,7 +15741,7 @@
             <a:fld id="{1D8BD707-D9CF-40AE-B4C6-C98DA3205C09}" type="datetimeFigureOut">
               <a:rPr lang="en-US" smtClean="0"/>
               <a:pPr/>
-              <a:t>4/18/16</a:t>
+              <a:t>4/20/2016</a:t>
             </a:fld>
             <a:endParaRPr lang="en-US"/>
           </a:p>
@@ -15994,7 +15970,7 @@
             <a:fld id="{1D8BD707-D9CF-40AE-B4C6-C98DA3205C09}" type="datetimeFigureOut">
               <a:rPr lang="en-US" smtClean="0"/>
               <a:pPr/>
-              <a:t>4/18/16</a:t>
+              <a:t>4/20/2016</a:t>
             </a:fld>
             <a:endParaRPr lang="en-US"/>
           </a:p>
@@ -16414,7 +16390,7 @@
             <a:fld id="{1D8BD707-D9CF-40AE-B4C6-C98DA3205C09}" type="datetimeFigureOut">
               <a:rPr lang="en-US" smtClean="0"/>
               <a:pPr/>
-              <a:t>4/18/16</a:t>
+              <a:t>4/20/2016</a:t>
             </a:fld>
             <a:endParaRPr lang="en-US"/>
           </a:p>
@@ -17070,10 +17046,16 @@
           <a:lstStyle/>
           <a:p>
             <a:r>
-              <a:rPr lang="en-US" dirty="0" smtClean="0"/>
+              <a:rPr lang="en-US" dirty="0" smtClean="0">
+                <a:latin typeface="Arial" panose="020B0604020202020204" pitchFamily="34" charset="0"/>
+                <a:cs typeface="Arial" panose="020B0604020202020204" pitchFamily="34" charset="0"/>
+              </a:rPr>
               <a:t>Thinking-Understanding</a:t>
             </a:r>
-            <a:endParaRPr lang="ru-RU" dirty="0"/>
+            <a:endParaRPr lang="ru-RU" dirty="0">
+              <a:latin typeface="Arial" panose="020B0604020202020204" pitchFamily="34" charset="0"/>
+              <a:cs typeface="Arial" panose="020B0604020202020204" pitchFamily="34" charset="0"/>
+            </a:endParaRPr>
           </a:p>
         </p:txBody>
       </p:sp>
@@ -17296,121 +17278,211 @@
           <a:lstStyle/>
           <a:p>
             <a:r>
-              <a:rPr lang="ru-RU" sz="2000" dirty="0"/>
+              <a:rPr lang="ru-RU" sz="2000" dirty="0">
+                <a:latin typeface="Arial" panose="020B0604020202020204" pitchFamily="34" charset="0"/>
+                <a:cs typeface="Arial" panose="020B0604020202020204" pitchFamily="34" charset="0"/>
+              </a:rPr>
               <a:t>Тощев</a:t>
             </a:r>
             <a:r>
-              <a:rPr lang="ru-RU" sz="2000" dirty="0" smtClean="0"/>
+              <a:rPr lang="ru-RU" sz="2000" dirty="0" smtClean="0">
+                <a:latin typeface="Arial" panose="020B0604020202020204" pitchFamily="34" charset="0"/>
+                <a:cs typeface="Arial" panose="020B0604020202020204" pitchFamily="34" charset="0"/>
+              </a:rPr>
               <a:t>, А.С.</a:t>
             </a:r>
             <a:r>
-              <a:rPr lang="en-US" sz="2000" dirty="0" smtClean="0"/>
+              <a:rPr lang="en-US" sz="2000" dirty="0" smtClean="0">
+                <a:latin typeface="Arial" panose="020B0604020202020204" pitchFamily="34" charset="0"/>
+                <a:cs typeface="Arial" panose="020B0604020202020204" pitchFamily="34" charset="0"/>
+              </a:rPr>
               <a:t> </a:t>
             </a:r>
             <a:r>
-              <a:rPr lang="ru-RU" sz="2000" dirty="0" smtClean="0"/>
+              <a:rPr lang="ru-RU" sz="2000" dirty="0" smtClean="0">
+                <a:latin typeface="Arial" panose="020B0604020202020204" pitchFamily="34" charset="0"/>
+                <a:cs typeface="Arial" panose="020B0604020202020204" pitchFamily="34" charset="0"/>
+              </a:rPr>
               <a:t>К</a:t>
             </a:r>
             <a:r>
-              <a:rPr lang="en-US" sz="2000" dirty="0" smtClean="0"/>
+              <a:rPr lang="en-US" sz="2000" dirty="0" smtClean="0">
+                <a:latin typeface="Arial" panose="020B0604020202020204" pitchFamily="34" charset="0"/>
+                <a:cs typeface="Arial" panose="020B0604020202020204" pitchFamily="34" charset="0"/>
+              </a:rPr>
               <a:t> </a:t>
             </a:r>
             <a:r>
-              <a:rPr lang="ru-RU" sz="2000" dirty="0" smtClean="0"/>
+              <a:rPr lang="ru-RU" sz="2000" dirty="0" smtClean="0">
+                <a:latin typeface="Arial" panose="020B0604020202020204" pitchFamily="34" charset="0"/>
+                <a:cs typeface="Arial" panose="020B0604020202020204" pitchFamily="34" charset="0"/>
+              </a:rPr>
               <a:t>новой концепции автоматизации программного обеспечения </a:t>
             </a:r>
             <a:r>
-              <a:rPr lang="ru-RU" sz="2000" dirty="0"/>
+              <a:rPr lang="ru-RU" sz="2000" dirty="0">
+                <a:latin typeface="Arial" panose="020B0604020202020204" pitchFamily="34" charset="0"/>
+                <a:cs typeface="Arial" panose="020B0604020202020204" pitchFamily="34" charset="0"/>
+              </a:rPr>
               <a:t>[Текст] / А. С. Тощев // Труды Математического центра имени Н.И. </a:t>
             </a:r>
             <a:r>
-              <a:rPr lang="ru-RU" sz="2000" dirty="0" smtClean="0"/>
+              <a:rPr lang="ru-RU" sz="2000" dirty="0" smtClean="0">
+                <a:latin typeface="Arial" panose="020B0604020202020204" pitchFamily="34" charset="0"/>
+                <a:cs typeface="Arial" panose="020B0604020202020204" pitchFamily="34" charset="0"/>
+              </a:rPr>
               <a:t>Лобачевского</a:t>
             </a:r>
             <a:r>
-              <a:rPr lang="ru-RU" sz="2000" dirty="0"/>
+              <a:rPr lang="ru-RU" sz="2000" dirty="0">
+                <a:latin typeface="Arial" panose="020B0604020202020204" pitchFamily="34" charset="0"/>
+                <a:cs typeface="Arial" panose="020B0604020202020204" pitchFamily="34" charset="0"/>
+              </a:rPr>
               <a:t>. Материалы </a:t>
             </a:r>
             <a:r>
-              <a:rPr lang="ru-RU" sz="2000" dirty="0" smtClean="0"/>
+              <a:rPr lang="ru-RU" sz="2000" dirty="0" smtClean="0">
+                <a:latin typeface="Arial" panose="020B0604020202020204" pitchFamily="34" charset="0"/>
+                <a:cs typeface="Arial" panose="020B0604020202020204" pitchFamily="34" charset="0"/>
+              </a:rPr>
               <a:t>Десятой молодежной научной </a:t>
             </a:r>
             <a:r>
-              <a:rPr lang="ru-RU" sz="2000" dirty="0"/>
+              <a:rPr lang="ru-RU" sz="2000" dirty="0">
+                <a:latin typeface="Arial" panose="020B0604020202020204" pitchFamily="34" charset="0"/>
+                <a:cs typeface="Arial" panose="020B0604020202020204" pitchFamily="34" charset="0"/>
+              </a:rPr>
               <a:t>школы-конференции </a:t>
             </a:r>
             <a:r>
-              <a:rPr lang="ru-RU" sz="2000" dirty="0" smtClean="0"/>
+              <a:rPr lang="ru-RU" sz="2000" dirty="0" smtClean="0">
+                <a:latin typeface="Arial" panose="020B0604020202020204" pitchFamily="34" charset="0"/>
+                <a:cs typeface="Arial" panose="020B0604020202020204" pitchFamily="34" charset="0"/>
+              </a:rPr>
               <a:t>«</a:t>
             </a:r>
             <a:r>
-              <a:rPr lang="ru-RU" sz="2000" dirty="0"/>
+              <a:rPr lang="ru-RU" sz="2000" dirty="0">
+                <a:latin typeface="Arial" panose="020B0604020202020204" pitchFamily="34" charset="0"/>
+                <a:cs typeface="Arial" panose="020B0604020202020204" pitchFamily="34" charset="0"/>
+              </a:rPr>
               <a:t>Лобачевские чтения — 2011. Казань, 31 октября – 4 ноября 2011». –– 2011. –– Т. 44, </a:t>
             </a:r>
             <a:r>
-              <a:rPr lang="ru-RU" sz="2000" dirty="0" err="1"/>
+              <a:rPr lang="ru-RU" sz="2000" dirty="0" err="1">
+                <a:latin typeface="Arial" panose="020B0604020202020204" pitchFamily="34" charset="0"/>
+                <a:cs typeface="Arial" panose="020B0604020202020204" pitchFamily="34" charset="0"/>
+              </a:rPr>
               <a:t>No</a:t>
             </a:r>
             <a:r>
-              <a:rPr lang="ru-RU" sz="2000" dirty="0"/>
+              <a:rPr lang="ru-RU" sz="2000" dirty="0">
+                <a:latin typeface="Arial" panose="020B0604020202020204" pitchFamily="34" charset="0"/>
+                <a:cs typeface="Arial" panose="020B0604020202020204" pitchFamily="34" charset="0"/>
+              </a:rPr>
               <a:t> 4. –– С. 279 – </a:t>
             </a:r>
             <a:r>
-              <a:rPr lang="ru-RU" sz="2000" dirty="0" smtClean="0"/>
+              <a:rPr lang="ru-RU" sz="2000" dirty="0" smtClean="0">
+                <a:latin typeface="Arial" panose="020B0604020202020204" pitchFamily="34" charset="0"/>
+                <a:cs typeface="Arial" panose="020B0604020202020204" pitchFamily="34" charset="0"/>
+              </a:rPr>
               <a:t>282</a:t>
             </a:r>
             <a:r>
-              <a:rPr lang="en-US" sz="2000" dirty="0" smtClean="0"/>
+              <a:rPr lang="en-US" sz="2000" dirty="0" smtClean="0">
+                <a:latin typeface="Arial" panose="020B0604020202020204" pitchFamily="34" charset="0"/>
+                <a:cs typeface="Arial" panose="020B0604020202020204" pitchFamily="34" charset="0"/>
+              </a:rPr>
               <a:t>;</a:t>
             </a:r>
             <a:r>
-              <a:rPr lang="ru-RU" sz="2000" dirty="0" smtClean="0"/>
+              <a:rPr lang="ru-RU" sz="2000" dirty="0" smtClean="0">
+                <a:latin typeface="Arial" panose="020B0604020202020204" pitchFamily="34" charset="0"/>
+                <a:cs typeface="Arial" panose="020B0604020202020204" pitchFamily="34" charset="0"/>
+              </a:rPr>
               <a:t> </a:t>
             </a:r>
-            <a:endParaRPr lang="ru-RU" sz="2000" dirty="0"/>
-          </a:p>
-          <a:p>
-            <a:r>
-              <a:rPr lang="en-US" sz="2000" dirty="0"/>
+            <a:endParaRPr lang="ru-RU" sz="2000" dirty="0">
+              <a:latin typeface="Arial" panose="020B0604020202020204" pitchFamily="34" charset="0"/>
+              <a:cs typeface="Arial" panose="020B0604020202020204" pitchFamily="34" charset="0"/>
+            </a:endParaRPr>
+          </a:p>
+          <a:p>
+            <a:r>
+              <a:rPr lang="en-US" sz="2000" dirty="0">
+                <a:latin typeface="Arial" panose="020B0604020202020204" pitchFamily="34" charset="0"/>
+                <a:cs typeface="Arial" panose="020B0604020202020204" pitchFamily="34" charset="0"/>
+              </a:rPr>
               <a:t>Toshchev, A. Thinking-Understanding approach in IT maintenance domain au- </a:t>
             </a:r>
             <a:r>
-              <a:rPr lang="en-US" sz="2000" dirty="0" err="1"/>
+              <a:rPr lang="en-US" sz="2000" dirty="0" err="1">
+                <a:latin typeface="Arial" panose="020B0604020202020204" pitchFamily="34" charset="0"/>
+                <a:cs typeface="Arial" panose="020B0604020202020204" pitchFamily="34" charset="0"/>
+              </a:rPr>
               <a:t>tomation</a:t>
             </a:r>
             <a:r>
-              <a:rPr lang="en-US" sz="2000" dirty="0"/>
+              <a:rPr lang="en-US" sz="2000" dirty="0">
+                <a:latin typeface="Arial" panose="020B0604020202020204" pitchFamily="34" charset="0"/>
+                <a:cs typeface="Arial" panose="020B0604020202020204" pitchFamily="34" charset="0"/>
+              </a:rPr>
               <a:t> [Text] / A. Toshchev, M. </a:t>
             </a:r>
             <a:r>
-              <a:rPr lang="en-US" sz="2000" dirty="0" err="1"/>
+              <a:rPr lang="en-US" sz="2000" dirty="0" err="1">
+                <a:latin typeface="Arial" panose="020B0604020202020204" pitchFamily="34" charset="0"/>
+                <a:cs typeface="Arial" panose="020B0604020202020204" pitchFamily="34" charset="0"/>
+              </a:rPr>
               <a:t>Talanov</a:t>
             </a:r>
             <a:r>
-              <a:rPr lang="en-US" sz="2000" dirty="0"/>
+              <a:rPr lang="en-US" sz="2000" dirty="0">
+                <a:latin typeface="Arial" panose="020B0604020202020204" pitchFamily="34" charset="0"/>
+                <a:cs typeface="Arial" panose="020B0604020202020204" pitchFamily="34" charset="0"/>
+              </a:rPr>
               <a:t>, A. </a:t>
             </a:r>
             <a:r>
-              <a:rPr lang="en-US" sz="2000" dirty="0" err="1"/>
+              <a:rPr lang="en-US" sz="2000" dirty="0" err="1">
+                <a:latin typeface="Arial" panose="020B0604020202020204" pitchFamily="34" charset="0"/>
+                <a:cs typeface="Arial" panose="020B0604020202020204" pitchFamily="34" charset="0"/>
+              </a:rPr>
               <a:t>Krehov</a:t>
             </a:r>
             <a:r>
-              <a:rPr lang="en-US" sz="2000" dirty="0"/>
+              <a:rPr lang="en-US" sz="2000" dirty="0">
+                <a:latin typeface="Arial" panose="020B0604020202020204" pitchFamily="34" charset="0"/>
+                <a:cs typeface="Arial" panose="020B0604020202020204" pitchFamily="34" charset="0"/>
+              </a:rPr>
               <a:t> // Global Journal on Tech- </a:t>
             </a:r>
             <a:r>
-              <a:rPr lang="en-US" sz="2000" dirty="0" err="1"/>
+              <a:rPr lang="en-US" sz="2000" dirty="0" err="1">
+                <a:latin typeface="Arial" panose="020B0604020202020204" pitchFamily="34" charset="0"/>
+                <a:cs typeface="Arial" panose="020B0604020202020204" pitchFamily="34" charset="0"/>
+              </a:rPr>
               <a:t>nology</a:t>
             </a:r>
             <a:r>
-              <a:rPr lang="en-US" sz="2000" dirty="0"/>
+              <a:rPr lang="en-US" sz="2000" dirty="0">
+                <a:latin typeface="Arial" panose="020B0604020202020204" pitchFamily="34" charset="0"/>
+                <a:cs typeface="Arial" panose="020B0604020202020204" pitchFamily="34" charset="0"/>
+              </a:rPr>
               <a:t>: 3rd World Conference on Information Technology (WCIT-2012). — 2013. — Vol. 3. — P. 879 – </a:t>
             </a:r>
             <a:r>
-              <a:rPr lang="en-US" sz="2000" dirty="0" smtClean="0"/>
+              <a:rPr lang="en-US" sz="2000" dirty="0" smtClean="0">
+                <a:latin typeface="Arial" panose="020B0604020202020204" pitchFamily="34" charset="0"/>
+                <a:cs typeface="Arial" panose="020B0604020202020204" pitchFamily="34" charset="0"/>
+              </a:rPr>
               <a:t>894; </a:t>
             </a:r>
-            <a:endParaRPr lang="en-US" sz="2000" dirty="0"/>
+            <a:endParaRPr lang="en-US" sz="2000" dirty="0">
+              <a:latin typeface="Arial" panose="020B0604020202020204" pitchFamily="34" charset="0"/>
+              <a:cs typeface="Arial" panose="020B0604020202020204" pitchFamily="34" charset="0"/>
+            </a:endParaRPr>
           </a:p>
           <a:p>
             <a:endParaRPr lang="ru-RU" dirty="0"/>
@@ -17486,213 +17558,249 @@
           <a:lstStyle/>
           <a:p>
             <a:r>
-              <a:rPr lang="ru-RU" sz="2000" dirty="0"/>
-              <a:t>Тощев, А.С. Архитектура и реализация интеллектуального агента для </a:t>
-            </a:r>
-            <a:r>
-              <a:rPr lang="ru-RU" sz="2000" dirty="0" smtClean="0"/>
-              <a:t>автоматической </a:t>
-            </a:r>
-            <a:r>
-              <a:rPr lang="ru-RU" sz="2000" dirty="0"/>
-              <a:t>обработки входящих заявок с помощью искусственного </a:t>
-            </a:r>
-            <a:r>
-              <a:rPr lang="ru-RU" sz="2000" dirty="0" smtClean="0"/>
-              <a:t>интеллекта </a:t>
-            </a:r>
-            <a:r>
-              <a:rPr lang="ru-RU" sz="2000" dirty="0"/>
-              <a:t>и семантических </a:t>
-            </a:r>
-            <a:r>
-              <a:rPr lang="ru-RU" sz="2000" dirty="0" smtClean="0"/>
-              <a:t>сетей </a:t>
-            </a:r>
-            <a:r>
-              <a:rPr lang="ru-RU" sz="2000" dirty="0"/>
-              <a:t>[Текст] / А.С. Тощев, М.О. Таланов // </a:t>
-            </a:r>
-            <a:r>
-              <a:rPr lang="ru-RU" sz="2000" dirty="0" smtClean="0"/>
-              <a:t>Ученые </a:t>
-            </a:r>
-            <a:r>
-              <a:rPr lang="ru-RU" sz="2000" dirty="0"/>
-              <a:t>записки Института социально-гуманитарных знаний. –– 2014. –– Т. 2. –– С. 288 – </a:t>
-            </a:r>
-            <a:r>
-              <a:rPr lang="ru-RU" sz="2000" dirty="0" smtClean="0"/>
-              <a:t>292</a:t>
-            </a:r>
-            <a:r>
-              <a:rPr lang="en-US" sz="2000" dirty="0" smtClean="0"/>
+              <a:rPr lang="ru-RU" sz="2000" dirty="0" smtClean="0">
+                <a:latin typeface="Arial" panose="020B0604020202020204" pitchFamily="34" charset="0"/>
+                <a:cs typeface="Arial" panose="020B0604020202020204" pitchFamily="34" charset="0"/>
+              </a:rPr>
+              <a:t>Тощев, А.С. Архитектура и реализация интеллектуального агента для автоматической обработки входящих заявок с помощью искусственного интеллекта и семантических сетей [Текст] / А.С. Тощев, М.О. Таланов // Ученые записки Института социально-гуманитарных знаний. –– 2014. –– Т. 2. –– С. 288 – 292</a:t>
+            </a:r>
+            <a:r>
+              <a:rPr lang="en-US" sz="2000" dirty="0" smtClean="0">
+                <a:latin typeface="Arial" panose="020B0604020202020204" pitchFamily="34" charset="0"/>
+                <a:cs typeface="Arial" panose="020B0604020202020204" pitchFamily="34" charset="0"/>
+              </a:rPr>
               <a:t>;</a:t>
             </a:r>
-            <a:endParaRPr lang="ru-RU" sz="2000" dirty="0"/>
-          </a:p>
-          <a:p>
-            <a:r>
-              <a:rPr lang="ru-RU" sz="2000" dirty="0"/>
-              <a:t>Toshchev, </a:t>
-            </a:r>
-            <a:r>
-              <a:rPr lang="ru-RU" sz="2000" dirty="0" err="1"/>
-              <a:t>A</a:t>
-            </a:r>
-            <a:r>
-              <a:rPr lang="ru-RU" sz="2000" dirty="0"/>
-              <a:t>. </a:t>
-            </a:r>
-            <a:r>
-              <a:rPr lang="ru-RU" sz="2000" dirty="0" err="1"/>
+            <a:endParaRPr lang="ru-RU" sz="2000" dirty="0" smtClean="0">
+              <a:latin typeface="Arial" panose="020B0604020202020204" pitchFamily="34" charset="0"/>
+              <a:cs typeface="Arial" panose="020B0604020202020204" pitchFamily="34" charset="0"/>
+            </a:endParaRPr>
+          </a:p>
+          <a:p>
+            <a:r>
+              <a:rPr lang="ru-RU" sz="2000" dirty="0" err="1" smtClean="0">
+                <a:latin typeface="Arial" panose="020B0604020202020204" pitchFamily="34" charset="0"/>
+                <a:cs typeface="Arial" panose="020B0604020202020204" pitchFamily="34" charset="0"/>
+              </a:rPr>
+              <a:t>Toshchev</a:t>
+            </a:r>
+            <a:r>
+              <a:rPr lang="ru-RU" sz="2000" dirty="0" smtClean="0">
+                <a:latin typeface="Arial" panose="020B0604020202020204" pitchFamily="34" charset="0"/>
+                <a:cs typeface="Arial" panose="020B0604020202020204" pitchFamily="34" charset="0"/>
+              </a:rPr>
+              <a:t>, A. </a:t>
+            </a:r>
+            <a:r>
+              <a:rPr lang="ru-RU" sz="2000" dirty="0" err="1" smtClean="0">
+                <a:latin typeface="Arial" panose="020B0604020202020204" pitchFamily="34" charset="0"/>
+                <a:cs typeface="Arial" panose="020B0604020202020204" pitchFamily="34" charset="0"/>
+              </a:rPr>
               <a:t>Computational</a:t>
             </a:r>
             <a:r>
-              <a:rPr lang="ru-RU" sz="2000" dirty="0"/>
+              <a:rPr lang="ru-RU" sz="2000" dirty="0" smtClean="0">
+                <a:latin typeface="Arial" panose="020B0604020202020204" pitchFamily="34" charset="0"/>
+                <a:cs typeface="Arial" panose="020B0604020202020204" pitchFamily="34" charset="0"/>
+              </a:rPr>
               <a:t> </a:t>
             </a:r>
             <a:r>
-              <a:rPr lang="ru-RU" sz="2000" dirty="0" err="1"/>
+              <a:rPr lang="ru-RU" sz="2000" dirty="0" err="1" smtClean="0">
+                <a:latin typeface="Arial" panose="020B0604020202020204" pitchFamily="34" charset="0"/>
+                <a:cs typeface="Arial" panose="020B0604020202020204" pitchFamily="34" charset="0"/>
+              </a:rPr>
               <a:t>emotional</a:t>
             </a:r>
             <a:r>
-              <a:rPr lang="ru-RU" sz="2000" dirty="0"/>
+              <a:rPr lang="ru-RU" sz="2000" dirty="0" smtClean="0">
+                <a:latin typeface="Arial" panose="020B0604020202020204" pitchFamily="34" charset="0"/>
+                <a:cs typeface="Arial" panose="020B0604020202020204" pitchFamily="34" charset="0"/>
+              </a:rPr>
               <a:t> </a:t>
             </a:r>
             <a:r>
-              <a:rPr lang="ru-RU" sz="2000" dirty="0" err="1"/>
+              <a:rPr lang="ru-RU" sz="2000" dirty="0" err="1" smtClean="0">
+                <a:latin typeface="Arial" panose="020B0604020202020204" pitchFamily="34" charset="0"/>
+                <a:cs typeface="Arial" panose="020B0604020202020204" pitchFamily="34" charset="0"/>
+              </a:rPr>
               <a:t>thinking</a:t>
             </a:r>
             <a:r>
-              <a:rPr lang="ru-RU" sz="2000" dirty="0"/>
+              <a:rPr lang="ru-RU" sz="2000" dirty="0" smtClean="0">
+                <a:latin typeface="Arial" panose="020B0604020202020204" pitchFamily="34" charset="0"/>
+                <a:cs typeface="Arial" panose="020B0604020202020204" pitchFamily="34" charset="0"/>
+              </a:rPr>
               <a:t> </a:t>
             </a:r>
             <a:r>
-              <a:rPr lang="ru-RU" sz="2000" dirty="0" err="1"/>
+              <a:rPr lang="ru-RU" sz="2000" dirty="0" err="1" smtClean="0">
+                <a:latin typeface="Arial" panose="020B0604020202020204" pitchFamily="34" charset="0"/>
+                <a:cs typeface="Arial" panose="020B0604020202020204" pitchFamily="34" charset="0"/>
+              </a:rPr>
               <a:t>and</a:t>
             </a:r>
             <a:r>
-              <a:rPr lang="ru-RU" sz="2000" dirty="0"/>
+              <a:rPr lang="ru-RU" sz="2000" dirty="0" smtClean="0">
+                <a:latin typeface="Arial" panose="020B0604020202020204" pitchFamily="34" charset="0"/>
+                <a:cs typeface="Arial" panose="020B0604020202020204" pitchFamily="34" charset="0"/>
+              </a:rPr>
               <a:t> </a:t>
             </a:r>
             <a:r>
-              <a:rPr lang="ru-RU" sz="2000" dirty="0" err="1"/>
+              <a:rPr lang="ru-RU" sz="2000" dirty="0" err="1" smtClean="0">
+                <a:latin typeface="Arial" panose="020B0604020202020204" pitchFamily="34" charset="0"/>
+                <a:cs typeface="Arial" panose="020B0604020202020204" pitchFamily="34" charset="0"/>
+              </a:rPr>
               <a:t>virtual</a:t>
             </a:r>
             <a:r>
-              <a:rPr lang="ru-RU" sz="2000" dirty="0"/>
+              <a:rPr lang="ru-RU" sz="2000" dirty="0" smtClean="0">
+                <a:latin typeface="Arial" panose="020B0604020202020204" pitchFamily="34" charset="0"/>
+                <a:cs typeface="Arial" panose="020B0604020202020204" pitchFamily="34" charset="0"/>
+              </a:rPr>
               <a:t> </a:t>
             </a:r>
             <a:r>
-              <a:rPr lang="ru-RU" sz="2000" dirty="0" err="1"/>
+              <a:rPr lang="ru-RU" sz="2000" dirty="0" err="1" smtClean="0">
+                <a:latin typeface="Arial" panose="020B0604020202020204" pitchFamily="34" charset="0"/>
+                <a:cs typeface="Arial" panose="020B0604020202020204" pitchFamily="34" charset="0"/>
+              </a:rPr>
               <a:t>neurotransmitters</a:t>
             </a:r>
             <a:r>
-              <a:rPr lang="ru-RU" sz="2000" dirty="0"/>
+              <a:rPr lang="ru-RU" sz="2000" dirty="0" smtClean="0">
+                <a:latin typeface="Arial" panose="020B0604020202020204" pitchFamily="34" charset="0"/>
+                <a:cs typeface="Arial" panose="020B0604020202020204" pitchFamily="34" charset="0"/>
+              </a:rPr>
               <a:t> [</a:t>
             </a:r>
             <a:r>
-              <a:rPr lang="ru-RU" sz="2000" dirty="0" err="1"/>
+              <a:rPr lang="ru-RU" sz="2000" dirty="0" err="1" smtClean="0">
+                <a:latin typeface="Arial" panose="020B0604020202020204" pitchFamily="34" charset="0"/>
+                <a:cs typeface="Arial" panose="020B0604020202020204" pitchFamily="34" charset="0"/>
+              </a:rPr>
               <a:t>Text</a:t>
             </a:r>
             <a:r>
-              <a:rPr lang="ru-RU" sz="2000" dirty="0"/>
-              <a:t>] / </a:t>
-            </a:r>
-            <a:r>
-              <a:rPr lang="ru-RU" sz="2000" dirty="0" err="1"/>
-              <a:t>A</a:t>
-            </a:r>
-            <a:r>
-              <a:rPr lang="ru-RU" sz="2000" dirty="0"/>
-              <a:t>. Toshchev, </a:t>
-            </a:r>
-            <a:r>
-              <a:rPr lang="ru-RU" sz="2000" dirty="0" err="1"/>
-              <a:t>M</a:t>
-            </a:r>
-            <a:r>
-              <a:rPr lang="ru-RU" sz="2000" dirty="0"/>
-              <a:t>. </a:t>
-            </a:r>
-            <a:r>
-              <a:rPr lang="ru-RU" sz="2000" dirty="0" err="1"/>
-              <a:t>Talanov</a:t>
-            </a:r>
-            <a:r>
-              <a:rPr lang="ru-RU" sz="2000" dirty="0"/>
-              <a:t> // </a:t>
-            </a:r>
-            <a:r>
-              <a:rPr lang="ru-RU" sz="2000" dirty="0" err="1"/>
+              <a:rPr lang="ru-RU" sz="2000" dirty="0" smtClean="0">
+                <a:latin typeface="Arial" panose="020B0604020202020204" pitchFamily="34" charset="0"/>
+                <a:cs typeface="Arial" panose="020B0604020202020204" pitchFamily="34" charset="0"/>
+              </a:rPr>
+              <a:t>] / A. </a:t>
+            </a:r>
+            <a:r>
+              <a:rPr lang="ru-RU" sz="2000" dirty="0" err="1" smtClean="0">
+                <a:latin typeface="Arial" panose="020B0604020202020204" pitchFamily="34" charset="0"/>
+                <a:cs typeface="Arial" panose="020B0604020202020204" pitchFamily="34" charset="0"/>
+              </a:rPr>
+              <a:t>Toshchev</a:t>
+            </a:r>
+            <a:r>
+              <a:rPr lang="ru-RU" sz="2000" dirty="0" smtClean="0">
+                <a:latin typeface="Arial" panose="020B0604020202020204" pitchFamily="34" charset="0"/>
+                <a:cs typeface="Arial" panose="020B0604020202020204" pitchFamily="34" charset="0"/>
+              </a:rPr>
+              <a:t>, M. Talanov // </a:t>
+            </a:r>
+            <a:r>
+              <a:rPr lang="ru-RU" sz="2000" dirty="0" err="1" smtClean="0">
+                <a:latin typeface="Arial" panose="020B0604020202020204" pitchFamily="34" charset="0"/>
+                <a:cs typeface="Arial" panose="020B0604020202020204" pitchFamily="34" charset="0"/>
+              </a:rPr>
               <a:t>International</a:t>
             </a:r>
             <a:r>
-              <a:rPr lang="ru-RU" sz="2000" dirty="0"/>
+              <a:rPr lang="ru-RU" sz="2000" dirty="0" smtClean="0">
+                <a:latin typeface="Arial" panose="020B0604020202020204" pitchFamily="34" charset="0"/>
+                <a:cs typeface="Arial" panose="020B0604020202020204" pitchFamily="34" charset="0"/>
+              </a:rPr>
               <a:t> </a:t>
             </a:r>
             <a:r>
-              <a:rPr lang="ru-RU" sz="2000" dirty="0" err="1"/>
+              <a:rPr lang="ru-RU" sz="2000" dirty="0" err="1" smtClean="0">
+                <a:latin typeface="Arial" panose="020B0604020202020204" pitchFamily="34" charset="0"/>
+                <a:cs typeface="Arial" panose="020B0604020202020204" pitchFamily="34" charset="0"/>
+              </a:rPr>
               <a:t>Journal</a:t>
             </a:r>
             <a:r>
-              <a:rPr lang="ru-RU" sz="2000" dirty="0"/>
+              <a:rPr lang="ru-RU" sz="2000" dirty="0" smtClean="0">
+                <a:latin typeface="Arial" panose="020B0604020202020204" pitchFamily="34" charset="0"/>
+                <a:cs typeface="Arial" panose="020B0604020202020204" pitchFamily="34" charset="0"/>
+              </a:rPr>
               <a:t> </a:t>
             </a:r>
             <a:r>
-              <a:rPr lang="ru-RU" sz="2000" dirty="0" err="1"/>
+              <a:rPr lang="ru-RU" sz="2000" dirty="0" err="1" smtClean="0">
+                <a:latin typeface="Arial" panose="020B0604020202020204" pitchFamily="34" charset="0"/>
+                <a:cs typeface="Arial" panose="020B0604020202020204" pitchFamily="34" charset="0"/>
+              </a:rPr>
               <a:t>of</a:t>
             </a:r>
             <a:r>
-              <a:rPr lang="ru-RU" sz="2000" dirty="0"/>
+              <a:rPr lang="ru-RU" sz="2000" dirty="0" smtClean="0">
+                <a:latin typeface="Arial" panose="020B0604020202020204" pitchFamily="34" charset="0"/>
+                <a:cs typeface="Arial" panose="020B0604020202020204" pitchFamily="34" charset="0"/>
+              </a:rPr>
               <a:t> </a:t>
             </a:r>
             <a:r>
-              <a:rPr lang="ru-RU" sz="2000" dirty="0" err="1"/>
+              <a:rPr lang="ru-RU" sz="2000" dirty="0" err="1" smtClean="0">
+                <a:latin typeface="Arial" panose="020B0604020202020204" pitchFamily="34" charset="0"/>
+                <a:cs typeface="Arial" panose="020B0604020202020204" pitchFamily="34" charset="0"/>
+              </a:rPr>
               <a:t>Synthetic</a:t>
             </a:r>
             <a:r>
-              <a:rPr lang="ru-RU" sz="2000" dirty="0"/>
+              <a:rPr lang="ru-RU" sz="2000" dirty="0" smtClean="0">
+                <a:latin typeface="Arial" panose="020B0604020202020204" pitchFamily="34" charset="0"/>
+                <a:cs typeface="Arial" panose="020B0604020202020204" pitchFamily="34" charset="0"/>
+              </a:rPr>
               <a:t> </a:t>
             </a:r>
             <a:r>
-              <a:rPr lang="ru-RU" sz="2000" dirty="0" err="1"/>
+              <a:rPr lang="ru-RU" sz="2000" dirty="0" err="1" smtClean="0">
+                <a:latin typeface="Arial" panose="020B0604020202020204" pitchFamily="34" charset="0"/>
+                <a:cs typeface="Arial" panose="020B0604020202020204" pitchFamily="34" charset="0"/>
+              </a:rPr>
               <a:t>Emotions</a:t>
             </a:r>
             <a:r>
-              <a:rPr lang="ru-RU" sz="2000" dirty="0"/>
+              <a:rPr lang="ru-RU" sz="2000" dirty="0" smtClean="0">
+                <a:latin typeface="Arial" panose="020B0604020202020204" pitchFamily="34" charset="0"/>
+                <a:cs typeface="Arial" panose="020B0604020202020204" pitchFamily="34" charset="0"/>
+              </a:rPr>
               <a:t> (IJSE). — 2014. — </a:t>
             </a:r>
             <a:r>
-              <a:rPr lang="ru-RU" sz="2000" dirty="0" err="1"/>
+              <a:rPr lang="ru-RU" sz="2000" dirty="0" err="1" smtClean="0">
+                <a:latin typeface="Arial" panose="020B0604020202020204" pitchFamily="34" charset="0"/>
+                <a:cs typeface="Arial" panose="020B0604020202020204" pitchFamily="34" charset="0"/>
+              </a:rPr>
               <a:t>Vol</a:t>
             </a:r>
             <a:r>
-              <a:rPr lang="ru-RU" sz="2000" dirty="0"/>
-              <a:t>. 5. — </a:t>
-            </a:r>
-            <a:r>
-              <a:rPr lang="ru-RU" sz="2000" dirty="0" err="1"/>
-              <a:t>P</a:t>
-            </a:r>
-            <a:r>
-              <a:rPr lang="ru-RU" sz="2000" dirty="0"/>
-              <a:t>. 30 – </a:t>
-            </a:r>
-            <a:r>
-              <a:rPr lang="ru-RU" sz="2000" dirty="0" smtClean="0"/>
-              <a:t>35</a:t>
-            </a:r>
-            <a:r>
-              <a:rPr lang="en-US" sz="2000" dirty="0" smtClean="0"/>
+              <a:rPr lang="ru-RU" sz="2000" dirty="0" smtClean="0">
+                <a:latin typeface="Arial" panose="020B0604020202020204" pitchFamily="34" charset="0"/>
+                <a:cs typeface="Arial" panose="020B0604020202020204" pitchFamily="34" charset="0"/>
+              </a:rPr>
+              <a:t>. 5. — P. 30 – 35</a:t>
+            </a:r>
+            <a:r>
+              <a:rPr lang="en-US" sz="2000" dirty="0" smtClean="0">
+                <a:latin typeface="Arial" panose="020B0604020202020204" pitchFamily="34" charset="0"/>
+                <a:cs typeface="Arial" panose="020B0604020202020204" pitchFamily="34" charset="0"/>
+              </a:rPr>
               <a:t>;</a:t>
             </a:r>
             <a:r>
-              <a:rPr lang="ru-RU" sz="2000" dirty="0" smtClean="0"/>
+              <a:rPr lang="ru-RU" sz="2000" dirty="0" smtClean="0">
+                <a:latin typeface="Arial" panose="020B0604020202020204" pitchFamily="34" charset="0"/>
+                <a:cs typeface="Arial" panose="020B0604020202020204" pitchFamily="34" charset="0"/>
+              </a:rPr>
               <a:t> </a:t>
             </a:r>
-            <a:endParaRPr lang="ru-RU" sz="2000" dirty="0"/>
           </a:p>
           <a:p>
             <a:endParaRPr lang="ru-RU" dirty="0"/>
@@ -17768,160 +17876,269 @@
           <a:lstStyle/>
           <a:p>
             <a:r>
-              <a:rPr lang="en-US" sz="2000" dirty="0"/>
+              <a:rPr lang="en-US" sz="2000" dirty="0">
+                <a:latin typeface="Arial" panose="020B0604020202020204" pitchFamily="34" charset="0"/>
+                <a:cs typeface="Arial" panose="020B0604020202020204" pitchFamily="34" charset="0"/>
+              </a:rPr>
               <a:t>Toshchev</a:t>
             </a:r>
             <a:r>
-              <a:rPr lang="en-US" sz="2000" dirty="0" smtClean="0"/>
+              <a:rPr lang="en-US" sz="2000" dirty="0" smtClean="0">
+                <a:latin typeface="Arial" panose="020B0604020202020204" pitchFamily="34" charset="0"/>
+                <a:cs typeface="Arial" panose="020B0604020202020204" pitchFamily="34" charset="0"/>
+              </a:rPr>
               <a:t>,</a:t>
             </a:r>
             <a:r>
-              <a:rPr lang="ru-RU" sz="2000" dirty="0" smtClean="0"/>
+              <a:rPr lang="ru-RU" sz="2000" dirty="0" smtClean="0">
+                <a:latin typeface="Arial" panose="020B0604020202020204" pitchFamily="34" charset="0"/>
+                <a:cs typeface="Arial" panose="020B0604020202020204" pitchFamily="34" charset="0"/>
+              </a:rPr>
               <a:t> </a:t>
             </a:r>
             <a:r>
-              <a:rPr lang="en-US" sz="2000" dirty="0" smtClean="0"/>
+              <a:rPr lang="en-US" sz="2000" dirty="0" smtClean="0">
+                <a:latin typeface="Arial" panose="020B0604020202020204" pitchFamily="34" charset="0"/>
+                <a:cs typeface="Arial" panose="020B0604020202020204" pitchFamily="34" charset="0"/>
+              </a:rPr>
               <a:t>A.</a:t>
             </a:r>
             <a:r>
-              <a:rPr lang="ru-RU" sz="2000" dirty="0" smtClean="0"/>
+              <a:rPr lang="ru-RU" sz="2000" dirty="0" smtClean="0">
+                <a:latin typeface="Arial" panose="020B0604020202020204" pitchFamily="34" charset="0"/>
+                <a:cs typeface="Arial" panose="020B0604020202020204" pitchFamily="34" charset="0"/>
+              </a:rPr>
               <a:t> </a:t>
             </a:r>
             <a:r>
-              <a:rPr lang="en-US" sz="2000" dirty="0" smtClean="0"/>
+              <a:rPr lang="en-US" sz="2000" dirty="0" smtClean="0">
+                <a:latin typeface="Arial" panose="020B0604020202020204" pitchFamily="34" charset="0"/>
+                <a:cs typeface="Arial" panose="020B0604020202020204" pitchFamily="34" charset="0"/>
+              </a:rPr>
               <a:t>Appraisal,</a:t>
             </a:r>
             <a:r>
-              <a:rPr lang="ru-RU" sz="2000" dirty="0" smtClean="0"/>
+              <a:rPr lang="ru-RU" sz="2000" dirty="0" smtClean="0">
+                <a:latin typeface="Arial" panose="020B0604020202020204" pitchFamily="34" charset="0"/>
+                <a:cs typeface="Arial" panose="020B0604020202020204" pitchFamily="34" charset="0"/>
+              </a:rPr>
               <a:t> </a:t>
             </a:r>
             <a:r>
-              <a:rPr lang="en-US" sz="2000" dirty="0" smtClean="0"/>
+              <a:rPr lang="en-US" sz="2000" dirty="0" smtClean="0">
+                <a:latin typeface="Arial" panose="020B0604020202020204" pitchFamily="34" charset="0"/>
+                <a:cs typeface="Arial" panose="020B0604020202020204" pitchFamily="34" charset="0"/>
+              </a:rPr>
               <a:t>coping</a:t>
             </a:r>
             <a:r>
-              <a:rPr lang="ru-RU" sz="2000" dirty="0" smtClean="0"/>
+              <a:rPr lang="ru-RU" sz="2000" dirty="0" smtClean="0">
+                <a:latin typeface="Arial" panose="020B0604020202020204" pitchFamily="34" charset="0"/>
+                <a:cs typeface="Arial" panose="020B0604020202020204" pitchFamily="34" charset="0"/>
+              </a:rPr>
               <a:t> </a:t>
             </a:r>
             <a:r>
-              <a:rPr lang="en-US" sz="2000" dirty="0" smtClean="0"/>
+              <a:rPr lang="en-US" sz="2000" dirty="0" smtClean="0">
+                <a:latin typeface="Arial" panose="020B0604020202020204" pitchFamily="34" charset="0"/>
+                <a:cs typeface="Arial" panose="020B0604020202020204" pitchFamily="34" charset="0"/>
+              </a:rPr>
               <a:t>and</a:t>
             </a:r>
             <a:r>
-              <a:rPr lang="ru-RU" sz="2000" dirty="0" smtClean="0"/>
+              <a:rPr lang="ru-RU" sz="2000" dirty="0" smtClean="0">
+                <a:latin typeface="Arial" panose="020B0604020202020204" pitchFamily="34" charset="0"/>
+                <a:cs typeface="Arial" panose="020B0604020202020204" pitchFamily="34" charset="0"/>
+              </a:rPr>
               <a:t> </a:t>
             </a:r>
             <a:r>
-              <a:rPr lang="en-US" sz="2000" dirty="0" smtClean="0"/>
+              <a:rPr lang="en-US" sz="2000" dirty="0" smtClean="0">
+                <a:latin typeface="Arial" panose="020B0604020202020204" pitchFamily="34" charset="0"/>
+                <a:cs typeface="Arial" panose="020B0604020202020204" pitchFamily="34" charset="0"/>
+              </a:rPr>
               <a:t>high</a:t>
             </a:r>
             <a:r>
-              <a:rPr lang="ru-RU" sz="2000" dirty="0" smtClean="0"/>
+              <a:rPr lang="ru-RU" sz="2000" dirty="0" smtClean="0">
+                <a:latin typeface="Arial" panose="020B0604020202020204" pitchFamily="34" charset="0"/>
+                <a:cs typeface="Arial" panose="020B0604020202020204" pitchFamily="34" charset="0"/>
+              </a:rPr>
               <a:t> </a:t>
             </a:r>
             <a:r>
-              <a:rPr lang="en-US" sz="2000" dirty="0" smtClean="0"/>
+              <a:rPr lang="en-US" sz="2000" dirty="0" smtClean="0">
+                <a:latin typeface="Arial" panose="020B0604020202020204" pitchFamily="34" charset="0"/>
+                <a:cs typeface="Arial" panose="020B0604020202020204" pitchFamily="34" charset="0"/>
+              </a:rPr>
               <a:t>level</a:t>
             </a:r>
             <a:r>
-              <a:rPr lang="ru-RU" sz="2000" dirty="0" smtClean="0"/>
+              <a:rPr lang="ru-RU" sz="2000" dirty="0" smtClean="0">
+                <a:latin typeface="Arial" panose="020B0604020202020204" pitchFamily="34" charset="0"/>
+                <a:cs typeface="Arial" panose="020B0604020202020204" pitchFamily="34" charset="0"/>
+              </a:rPr>
               <a:t> </a:t>
             </a:r>
             <a:r>
-              <a:rPr lang="en-US" sz="2000" dirty="0" smtClean="0"/>
+              <a:rPr lang="en-US" sz="2000" dirty="0" smtClean="0">
+                <a:latin typeface="Arial" panose="020B0604020202020204" pitchFamily="34" charset="0"/>
+                <a:cs typeface="Arial" panose="020B0604020202020204" pitchFamily="34" charset="0"/>
+              </a:rPr>
               <a:t>emotions</a:t>
             </a:r>
             <a:r>
-              <a:rPr lang="ru-RU" sz="2000" dirty="0" smtClean="0"/>
+              <a:rPr lang="ru-RU" sz="2000" dirty="0" smtClean="0">
+                <a:latin typeface="Arial" panose="020B0604020202020204" pitchFamily="34" charset="0"/>
+                <a:cs typeface="Arial" panose="020B0604020202020204" pitchFamily="34" charset="0"/>
+              </a:rPr>
               <a:t> </a:t>
             </a:r>
             <a:r>
-              <a:rPr lang="en-US" sz="2000" dirty="0" smtClean="0"/>
+              <a:rPr lang="en-US" sz="2000" dirty="0" smtClean="0">
+                <a:latin typeface="Arial" panose="020B0604020202020204" pitchFamily="34" charset="0"/>
+                <a:cs typeface="Arial" panose="020B0604020202020204" pitchFamily="34" charset="0"/>
+              </a:rPr>
               <a:t>aspects</a:t>
             </a:r>
             <a:r>
-              <a:rPr lang="ru-RU" sz="2000" dirty="0" smtClean="0"/>
+              <a:rPr lang="ru-RU" sz="2000" dirty="0" smtClean="0">
+                <a:latin typeface="Arial" panose="020B0604020202020204" pitchFamily="34" charset="0"/>
+                <a:cs typeface="Arial" panose="020B0604020202020204" pitchFamily="34" charset="0"/>
+              </a:rPr>
               <a:t> </a:t>
             </a:r>
             <a:r>
-              <a:rPr lang="en-US" sz="2000" dirty="0" smtClean="0"/>
+              <a:rPr lang="en-US" sz="2000" dirty="0" smtClean="0">
+                <a:latin typeface="Arial" panose="020B0604020202020204" pitchFamily="34" charset="0"/>
+                <a:cs typeface="Arial" panose="020B0604020202020204" pitchFamily="34" charset="0"/>
+              </a:rPr>
               <a:t>of</a:t>
             </a:r>
             <a:r>
-              <a:rPr lang="ru-RU" sz="2000" dirty="0" smtClean="0"/>
+              <a:rPr lang="ru-RU" sz="2000" dirty="0" smtClean="0">
+                <a:latin typeface="Arial" panose="020B0604020202020204" pitchFamily="34" charset="0"/>
+                <a:cs typeface="Arial" panose="020B0604020202020204" pitchFamily="34" charset="0"/>
+              </a:rPr>
               <a:t> </a:t>
             </a:r>
             <a:r>
-              <a:rPr lang="en-US" sz="2000" dirty="0" smtClean="0"/>
+              <a:rPr lang="en-US" sz="2000" dirty="0" smtClean="0">
+                <a:latin typeface="Arial" panose="020B0604020202020204" pitchFamily="34" charset="0"/>
+                <a:cs typeface="Arial" panose="020B0604020202020204" pitchFamily="34" charset="0"/>
+              </a:rPr>
               <a:t>computational </a:t>
             </a:r>
             <a:r>
-              <a:rPr lang="en-US" sz="2000" dirty="0"/>
+              <a:rPr lang="en-US" sz="2000" dirty="0">
+                <a:latin typeface="Arial" panose="020B0604020202020204" pitchFamily="34" charset="0"/>
+                <a:cs typeface="Arial" panose="020B0604020202020204" pitchFamily="34" charset="0"/>
+              </a:rPr>
               <a:t>emotional thinking [Text] </a:t>
             </a:r>
             <a:r>
-              <a:rPr lang="en-US" sz="2000" dirty="0" smtClean="0"/>
+              <a:rPr lang="en-US" sz="2000" dirty="0" smtClean="0">
+                <a:latin typeface="Arial" panose="020B0604020202020204" pitchFamily="34" charset="0"/>
+                <a:cs typeface="Arial" panose="020B0604020202020204" pitchFamily="34" charset="0"/>
+              </a:rPr>
               <a:t>/ </a:t>
             </a:r>
             <a:r>
-              <a:rPr lang="en-US" sz="2000" dirty="0"/>
+              <a:rPr lang="en-US" sz="2000" dirty="0">
+                <a:latin typeface="Arial" panose="020B0604020202020204" pitchFamily="34" charset="0"/>
+                <a:cs typeface="Arial" panose="020B0604020202020204" pitchFamily="34" charset="0"/>
+              </a:rPr>
               <a:t>A. Toshchev, M. </a:t>
             </a:r>
             <a:r>
-              <a:rPr lang="en-US" sz="2000" dirty="0" err="1"/>
+              <a:rPr lang="en-US" sz="2000" dirty="0" err="1">
+                <a:latin typeface="Arial" panose="020B0604020202020204" pitchFamily="34" charset="0"/>
+                <a:cs typeface="Arial" panose="020B0604020202020204" pitchFamily="34" charset="0"/>
+              </a:rPr>
               <a:t>Talanov</a:t>
             </a:r>
             <a:r>
-              <a:rPr lang="en-US" sz="2000" dirty="0"/>
-              <a:t> // International Journal of Synthetic Emotions (IJSE). — 2015. — Vol. 6. — P. 65 – 72. </a:t>
-            </a:r>
-            <a:r>
-              <a:rPr lang="en-US" sz="2000" dirty="0"/>
+              <a:rPr lang="en-US" sz="2000" dirty="0">
+                <a:latin typeface="Arial" panose="020B0604020202020204" pitchFamily="34" charset="0"/>
+                <a:cs typeface="Arial" panose="020B0604020202020204" pitchFamily="34" charset="0"/>
+              </a:rPr>
+              <a:t> // International Journal of Synthetic Emotions (IJSE). — 2015. — Vol. 6. — P. 65 – 72. ;</a:t>
+            </a:r>
+          </a:p>
+          <a:p>
+            <a:r>
+              <a:rPr lang="en-US" sz="2000" dirty="0">
+                <a:latin typeface="Arial" panose="020B0604020202020204" pitchFamily="34" charset="0"/>
+                <a:cs typeface="Arial" panose="020B0604020202020204" pitchFamily="34" charset="0"/>
+              </a:rPr>
+              <a:t>Toshchev, A. Thinking model and machine understanding in automated user request processing [Text] / A. Toshchev // CEUR Workshop Proceedings. — 2014. — Vol. 1297. — P. 224 – </a:t>
+            </a:r>
+            <a:r>
+              <a:rPr lang="en-US" sz="2000" dirty="0" smtClean="0">
+                <a:latin typeface="Arial" panose="020B0604020202020204" pitchFamily="34" charset="0"/>
+                <a:cs typeface="Arial" panose="020B0604020202020204" pitchFamily="34" charset="0"/>
+              </a:rPr>
+              <a:t>226;</a:t>
+            </a:r>
+            <a:endParaRPr lang="ru-RU" sz="2000" dirty="0" smtClean="0">
+              <a:latin typeface="Arial" panose="020B0604020202020204" pitchFamily="34" charset="0"/>
+              <a:cs typeface="Arial" panose="020B0604020202020204" pitchFamily="34" charset="0"/>
+            </a:endParaRPr>
+          </a:p>
+          <a:p>
+            <a:r>
+              <a:rPr lang="ru-RU" sz="2000" dirty="0">
+                <a:latin typeface="Arial" panose="020B0604020202020204" pitchFamily="34" charset="0"/>
+                <a:cs typeface="Arial" panose="020B0604020202020204" pitchFamily="34" charset="0"/>
+              </a:rPr>
+              <a:t>Тощев, А.С. Возможности автоматизации разрешения инцидентов для </a:t>
+            </a:r>
+            <a:r>
+              <a:rPr lang="ru-RU" sz="2000" dirty="0" smtClean="0">
+                <a:latin typeface="Arial" panose="020B0604020202020204" pitchFamily="34" charset="0"/>
+                <a:cs typeface="Arial" panose="020B0604020202020204" pitchFamily="34" charset="0"/>
+              </a:rPr>
+              <a:t>области удаленной </a:t>
+            </a:r>
+            <a:r>
+              <a:rPr lang="ru-RU" sz="2000" dirty="0">
+                <a:latin typeface="Arial" panose="020B0604020202020204" pitchFamily="34" charset="0"/>
+                <a:cs typeface="Arial" panose="020B0604020202020204" pitchFamily="34" charset="0"/>
+              </a:rPr>
+              <a:t>поддержки </a:t>
+            </a:r>
+            <a:r>
+              <a:rPr lang="ru-RU" sz="2000" dirty="0" smtClean="0">
+                <a:latin typeface="Arial" panose="020B0604020202020204" pitchFamily="34" charset="0"/>
+                <a:cs typeface="Arial" panose="020B0604020202020204" pitchFamily="34" charset="0"/>
+              </a:rPr>
+              <a:t>информационной инфраструктуры предприятия </a:t>
+            </a:r>
+            <a:r>
+              <a:rPr lang="ru-RU" sz="2000" dirty="0">
+                <a:latin typeface="Arial" panose="020B0604020202020204" pitchFamily="34" charset="0"/>
+                <a:cs typeface="Arial" panose="020B0604020202020204" pitchFamily="34" charset="0"/>
+              </a:rPr>
+              <a:t>[Текст] / А.С. Тощев // Экономика и менеджмент систем управления. –– 2015. –– Т. 4. –– С. 293 – </a:t>
+            </a:r>
+            <a:r>
+              <a:rPr lang="ru-RU" sz="2000" dirty="0" smtClean="0">
+                <a:latin typeface="Arial" panose="020B0604020202020204" pitchFamily="34" charset="0"/>
+                <a:cs typeface="Arial" panose="020B0604020202020204" pitchFamily="34" charset="0"/>
+              </a:rPr>
+              <a:t>295</a:t>
+            </a:r>
+            <a:r>
+              <a:rPr lang="en-US" sz="2000" dirty="0" smtClean="0">
+                <a:latin typeface="Arial" panose="020B0604020202020204" pitchFamily="34" charset="0"/>
+                <a:cs typeface="Arial" panose="020B0604020202020204" pitchFamily="34" charset="0"/>
+              </a:rPr>
               <a:t>;</a:t>
             </a:r>
-            <a:endParaRPr lang="en-US" sz="2000" dirty="0"/>
-          </a:p>
-          <a:p>
-            <a:r>
-              <a:rPr lang="en-US" sz="2000" dirty="0"/>
-              <a:t>Toshchev, A. Thinking model and machine understanding in automated user request processing [Text] / A. Toshchev // CEUR Workshop Proceedings. — 2014. — Vol. 1297. — P. 224 – </a:t>
-            </a:r>
-            <a:r>
-              <a:rPr lang="en-US" sz="2000" dirty="0" smtClean="0"/>
-              <a:t>226;</a:t>
-            </a:r>
-            <a:endParaRPr lang="ru-RU" sz="2000" dirty="0" smtClean="0"/>
-          </a:p>
-          <a:p>
-            <a:r>
-              <a:rPr lang="ru-RU" sz="2000" dirty="0"/>
-              <a:t>Тощев, А.С. Возможности автоматизации разрешения инцидентов для </a:t>
-            </a:r>
-            <a:r>
-              <a:rPr lang="ru-RU" sz="2000" dirty="0" smtClean="0"/>
-              <a:t>области удаленной </a:t>
-            </a:r>
-            <a:r>
-              <a:rPr lang="ru-RU" sz="2000" dirty="0"/>
-              <a:t>поддержки </a:t>
-            </a:r>
-            <a:r>
-              <a:rPr lang="ru-RU" sz="2000" dirty="0" smtClean="0"/>
-              <a:t>информационной инфраструктуры предприятия </a:t>
-            </a:r>
-            <a:r>
-              <a:rPr lang="ru-RU" sz="2000" dirty="0"/>
-              <a:t>[Текст] / А.С. Тощев // Экономика и менеджмент систем управления. –– 2015. –– Т. 4. –– С. 293 – </a:t>
-            </a:r>
-            <a:r>
-              <a:rPr lang="ru-RU" sz="2000" dirty="0" smtClean="0"/>
-              <a:t>295</a:t>
-            </a:r>
-            <a:r>
-              <a:rPr lang="en-US" sz="2000" dirty="0" smtClean="0"/>
-              <a:t>;</a:t>
-            </a:r>
-            <a:endParaRPr lang="ru-RU" sz="2000" dirty="0"/>
+            <a:endParaRPr lang="ru-RU" sz="2000" dirty="0">
+              <a:latin typeface="Arial" panose="020B0604020202020204" pitchFamily="34" charset="0"/>
+              <a:cs typeface="Arial" panose="020B0604020202020204" pitchFamily="34" charset="0"/>
+            </a:endParaRPr>
           </a:p>
           <a:p>
             <a:endParaRPr lang="en-US" sz="2000" dirty="0"/>
@@ -18000,164 +18217,287 @@
           <a:lstStyle/>
           <a:p>
             <a:r>
-              <a:rPr lang="en-US" sz="1800" dirty="0"/>
+              <a:rPr lang="en-US" sz="1800" dirty="0">
+                <a:latin typeface="Arial" panose="020B0604020202020204" pitchFamily="34" charset="0"/>
+                <a:cs typeface="Arial" panose="020B0604020202020204" pitchFamily="34" charset="0"/>
+              </a:rPr>
               <a:t>Toshchev</a:t>
             </a:r>
             <a:r>
-              <a:rPr lang="en-US" sz="1800" dirty="0" smtClean="0"/>
+              <a:rPr lang="en-US" sz="1800" dirty="0" smtClean="0">
+                <a:latin typeface="Arial" panose="020B0604020202020204" pitchFamily="34" charset="0"/>
+                <a:cs typeface="Arial" panose="020B0604020202020204" pitchFamily="34" charset="0"/>
+              </a:rPr>
               <a:t>, A.</a:t>
             </a:r>
             <a:r>
-              <a:rPr lang="ru-RU" sz="1800" dirty="0" smtClean="0"/>
+              <a:rPr lang="ru-RU" sz="1800" dirty="0" smtClean="0">
+                <a:latin typeface="Arial" panose="020B0604020202020204" pitchFamily="34" charset="0"/>
+                <a:cs typeface="Arial" panose="020B0604020202020204" pitchFamily="34" charset="0"/>
+              </a:rPr>
               <a:t> </a:t>
             </a:r>
             <a:r>
-              <a:rPr lang="en-US" sz="1800" dirty="0" smtClean="0"/>
+              <a:rPr lang="en-US" sz="1800" dirty="0" smtClean="0">
+                <a:latin typeface="Arial" panose="020B0604020202020204" pitchFamily="34" charset="0"/>
+                <a:cs typeface="Arial" panose="020B0604020202020204" pitchFamily="34" charset="0"/>
+              </a:rPr>
               <a:t>Thinking</a:t>
             </a:r>
             <a:r>
-              <a:rPr lang="ru-RU" sz="1800" dirty="0" smtClean="0"/>
+              <a:rPr lang="ru-RU" sz="1800" dirty="0" smtClean="0">
+                <a:latin typeface="Arial" panose="020B0604020202020204" pitchFamily="34" charset="0"/>
+                <a:cs typeface="Arial" panose="020B0604020202020204" pitchFamily="34" charset="0"/>
+              </a:rPr>
               <a:t> </a:t>
             </a:r>
             <a:r>
-              <a:rPr lang="en-US" sz="1800" dirty="0" smtClean="0"/>
+              <a:rPr lang="en-US" sz="1800" dirty="0" smtClean="0">
+                <a:latin typeface="Arial" panose="020B0604020202020204" pitchFamily="34" charset="0"/>
+                <a:cs typeface="Arial" panose="020B0604020202020204" pitchFamily="34" charset="0"/>
+              </a:rPr>
               <a:t>lifecycle</a:t>
             </a:r>
             <a:r>
-              <a:rPr lang="ru-RU" sz="1800" dirty="0" smtClean="0"/>
+              <a:rPr lang="ru-RU" sz="1800" dirty="0" smtClean="0">
+                <a:latin typeface="Arial" panose="020B0604020202020204" pitchFamily="34" charset="0"/>
+                <a:cs typeface="Arial" panose="020B0604020202020204" pitchFamily="34" charset="0"/>
+              </a:rPr>
               <a:t> </a:t>
             </a:r>
             <a:r>
-              <a:rPr lang="en-US" sz="1800" dirty="0" smtClean="0"/>
+              <a:rPr lang="en-US" sz="1800" dirty="0" smtClean="0">
+                <a:latin typeface="Arial" panose="020B0604020202020204" pitchFamily="34" charset="0"/>
+                <a:cs typeface="Arial" panose="020B0604020202020204" pitchFamily="34" charset="0"/>
+              </a:rPr>
               <a:t>as</a:t>
             </a:r>
             <a:r>
-              <a:rPr lang="ru-RU" sz="1800" dirty="0" smtClean="0"/>
+              <a:rPr lang="ru-RU" sz="1800" dirty="0" smtClean="0">
+                <a:latin typeface="Arial" panose="020B0604020202020204" pitchFamily="34" charset="0"/>
+                <a:cs typeface="Arial" panose="020B0604020202020204" pitchFamily="34" charset="0"/>
+              </a:rPr>
               <a:t> </a:t>
             </a:r>
             <a:r>
-              <a:rPr lang="en-US" sz="1800" dirty="0" smtClean="0"/>
+              <a:rPr lang="en-US" sz="1800" dirty="0" smtClean="0">
+                <a:latin typeface="Arial" panose="020B0604020202020204" pitchFamily="34" charset="0"/>
+                <a:cs typeface="Arial" panose="020B0604020202020204" pitchFamily="34" charset="0"/>
+              </a:rPr>
               <a:t>an</a:t>
             </a:r>
             <a:r>
-              <a:rPr lang="ru-RU" sz="1800" dirty="0" smtClean="0"/>
+              <a:rPr lang="ru-RU" sz="1800" dirty="0" smtClean="0">
+                <a:latin typeface="Arial" panose="020B0604020202020204" pitchFamily="34" charset="0"/>
+                <a:cs typeface="Arial" panose="020B0604020202020204" pitchFamily="34" charset="0"/>
+              </a:rPr>
               <a:t> </a:t>
             </a:r>
             <a:r>
-              <a:rPr lang="en-US" sz="1800" dirty="0" smtClean="0"/>
+              <a:rPr lang="en-US" sz="1800" dirty="0" smtClean="0">
+                <a:latin typeface="Arial" panose="020B0604020202020204" pitchFamily="34" charset="0"/>
+                <a:cs typeface="Arial" panose="020B0604020202020204" pitchFamily="34" charset="0"/>
+              </a:rPr>
               <a:t>implementation</a:t>
             </a:r>
             <a:r>
-              <a:rPr lang="ru-RU" sz="1800" dirty="0" smtClean="0"/>
+              <a:rPr lang="ru-RU" sz="1800" dirty="0" smtClean="0">
+                <a:latin typeface="Arial" panose="020B0604020202020204" pitchFamily="34" charset="0"/>
+                <a:cs typeface="Arial" panose="020B0604020202020204" pitchFamily="34" charset="0"/>
+              </a:rPr>
               <a:t> </a:t>
             </a:r>
             <a:r>
-              <a:rPr lang="en-US" sz="1800" dirty="0" smtClean="0"/>
+              <a:rPr lang="en-US" sz="1800" dirty="0" smtClean="0">
+                <a:latin typeface="Arial" panose="020B0604020202020204" pitchFamily="34" charset="0"/>
+                <a:cs typeface="Arial" panose="020B0604020202020204" pitchFamily="34" charset="0"/>
+              </a:rPr>
               <a:t>of</a:t>
             </a:r>
             <a:r>
-              <a:rPr lang="ru-RU" sz="1800" dirty="0" smtClean="0"/>
+              <a:rPr lang="ru-RU" sz="1800" dirty="0" smtClean="0">
+                <a:latin typeface="Arial" panose="020B0604020202020204" pitchFamily="34" charset="0"/>
+                <a:cs typeface="Arial" panose="020B0604020202020204" pitchFamily="34" charset="0"/>
+              </a:rPr>
               <a:t> </a:t>
             </a:r>
             <a:r>
-              <a:rPr lang="en-US" sz="1800" dirty="0" smtClean="0"/>
+              <a:rPr lang="en-US" sz="1800" dirty="0" smtClean="0">
+                <a:latin typeface="Arial" panose="020B0604020202020204" pitchFamily="34" charset="0"/>
+                <a:cs typeface="Arial" panose="020B0604020202020204" pitchFamily="34" charset="0"/>
+              </a:rPr>
               <a:t>machine</a:t>
             </a:r>
             <a:r>
-              <a:rPr lang="ru-RU" sz="1800" dirty="0" smtClean="0"/>
+              <a:rPr lang="ru-RU" sz="1800" dirty="0" smtClean="0">
+                <a:latin typeface="Arial" panose="020B0604020202020204" pitchFamily="34" charset="0"/>
+                <a:cs typeface="Arial" panose="020B0604020202020204" pitchFamily="34" charset="0"/>
+              </a:rPr>
               <a:t> </a:t>
             </a:r>
             <a:r>
-              <a:rPr lang="en-US" sz="1800" dirty="0" smtClean="0"/>
+              <a:rPr lang="en-US" sz="1800" dirty="0" smtClean="0">
+                <a:latin typeface="Arial" panose="020B0604020202020204" pitchFamily="34" charset="0"/>
+                <a:cs typeface="Arial" panose="020B0604020202020204" pitchFamily="34" charset="0"/>
+              </a:rPr>
               <a:t>understanding </a:t>
             </a:r>
             <a:r>
-              <a:rPr lang="en-US" sz="1800" dirty="0"/>
+              <a:rPr lang="en-US" sz="1800" dirty="0">
+                <a:latin typeface="Arial" panose="020B0604020202020204" pitchFamily="34" charset="0"/>
+                <a:cs typeface="Arial" panose="020B0604020202020204" pitchFamily="34" charset="0"/>
+              </a:rPr>
               <a:t>in software maintenance automation domain [Text] / A. Toshchev, M. </a:t>
             </a:r>
             <a:r>
-              <a:rPr lang="en-US" sz="1800" dirty="0" err="1"/>
+              <a:rPr lang="en-US" sz="1800" dirty="0" err="1">
+                <a:latin typeface="Arial" panose="020B0604020202020204" pitchFamily="34" charset="0"/>
+                <a:cs typeface="Arial" panose="020B0604020202020204" pitchFamily="34" charset="0"/>
+              </a:rPr>
               <a:t>Talanov</a:t>
             </a:r>
             <a:r>
-              <a:rPr lang="en-US" sz="1800" dirty="0"/>
+              <a:rPr lang="en-US" sz="1800" dirty="0">
+                <a:latin typeface="Arial" panose="020B0604020202020204" pitchFamily="34" charset="0"/>
+                <a:cs typeface="Arial" panose="020B0604020202020204" pitchFamily="34" charset="0"/>
+              </a:rPr>
               <a:t> // Agent and Multi-Agent Systems: Technologies and Applications: 9th KES </a:t>
             </a:r>
             <a:r>
-              <a:rPr lang="en-US" sz="1800" dirty="0" smtClean="0"/>
+              <a:rPr lang="en-US" sz="1800" dirty="0" smtClean="0">
+                <a:latin typeface="Arial" panose="020B0604020202020204" pitchFamily="34" charset="0"/>
+                <a:cs typeface="Arial" panose="020B0604020202020204" pitchFamily="34" charset="0"/>
+              </a:rPr>
               <a:t>International </a:t>
             </a:r>
             <a:r>
-              <a:rPr lang="en-US" sz="1800" dirty="0"/>
+              <a:rPr lang="en-US" sz="1800" dirty="0">
+                <a:latin typeface="Arial" panose="020B0604020202020204" pitchFamily="34" charset="0"/>
+                <a:cs typeface="Arial" panose="020B0604020202020204" pitchFamily="34" charset="0"/>
+              </a:rPr>
               <a:t>Conference, KES-AMSTA, 2015 Sorrento, Italy, June 2015, </a:t>
             </a:r>
             <a:r>
-              <a:rPr lang="en-US" sz="1800" dirty="0" smtClean="0"/>
+              <a:rPr lang="en-US" sz="1800" dirty="0" smtClean="0">
+                <a:latin typeface="Arial" panose="020B0604020202020204" pitchFamily="34" charset="0"/>
+                <a:cs typeface="Arial" panose="020B0604020202020204" pitchFamily="34" charset="0"/>
+              </a:rPr>
               <a:t>Proceedings </a:t>
             </a:r>
             <a:r>
-              <a:rPr lang="en-US" sz="1800" dirty="0"/>
+              <a:rPr lang="en-US" sz="1800" dirty="0">
+                <a:latin typeface="Arial" panose="020B0604020202020204" pitchFamily="34" charset="0"/>
+                <a:cs typeface="Arial" panose="020B0604020202020204" pitchFamily="34" charset="0"/>
+              </a:rPr>
               <a:t>(Smart Innovation, Systems and Technologies). — 2015. — Vol. 38. — P. 301 – </a:t>
             </a:r>
             <a:r>
-              <a:rPr lang="en-US" sz="1800" dirty="0" smtClean="0"/>
+              <a:rPr lang="en-US" sz="1800" dirty="0" smtClean="0">
+                <a:latin typeface="Arial" panose="020B0604020202020204" pitchFamily="34" charset="0"/>
+                <a:cs typeface="Arial" panose="020B0604020202020204" pitchFamily="34" charset="0"/>
+              </a:rPr>
               <a:t>310;</a:t>
             </a:r>
-            <a:endParaRPr lang="en-US" sz="1800" dirty="0"/>
-          </a:p>
-          <a:p>
-            <a:r>
-              <a:rPr lang="ru-RU" sz="1800" dirty="0"/>
+            <a:endParaRPr lang="en-US" sz="1800" dirty="0">
+              <a:latin typeface="Arial" panose="020B0604020202020204" pitchFamily="34" charset="0"/>
+              <a:cs typeface="Arial" panose="020B0604020202020204" pitchFamily="34" charset="0"/>
+            </a:endParaRPr>
+          </a:p>
+          <a:p>
+            <a:r>
+              <a:rPr lang="ru-RU" sz="1800" dirty="0">
+                <a:latin typeface="Arial" panose="020B0604020202020204" pitchFamily="34" charset="0"/>
+                <a:cs typeface="Arial" panose="020B0604020202020204" pitchFamily="34" charset="0"/>
+              </a:rPr>
               <a:t>Тощев, А.C. Вычислительная модель эмоций в интеллектуальных </a:t>
             </a:r>
             <a:r>
-              <a:rPr lang="ru-RU" sz="1800" dirty="0" smtClean="0"/>
+              <a:rPr lang="ru-RU" sz="1800" dirty="0" smtClean="0">
+                <a:latin typeface="Arial" panose="020B0604020202020204" pitchFamily="34" charset="0"/>
+                <a:cs typeface="Arial" panose="020B0604020202020204" pitchFamily="34" charset="0"/>
+              </a:rPr>
               <a:t>информационных </a:t>
             </a:r>
             <a:r>
-              <a:rPr lang="ru-RU" sz="1800" dirty="0"/>
+              <a:rPr lang="ru-RU" sz="1800" dirty="0">
+                <a:latin typeface="Arial" panose="020B0604020202020204" pitchFamily="34" charset="0"/>
+                <a:cs typeface="Arial" panose="020B0604020202020204" pitchFamily="34" charset="0"/>
+              </a:rPr>
               <a:t>системах [Текст] / А.C. Тощев, М.О. Таланов // Электронные библиотеки. –– 2015. –– Т. 18. –– С. 225 – </a:t>
             </a:r>
             <a:r>
-              <a:rPr lang="ru-RU" sz="1800" dirty="0" smtClean="0"/>
+              <a:rPr lang="ru-RU" sz="1800" dirty="0" smtClean="0">
+                <a:latin typeface="Arial" panose="020B0604020202020204" pitchFamily="34" charset="0"/>
+                <a:cs typeface="Arial" panose="020B0604020202020204" pitchFamily="34" charset="0"/>
+              </a:rPr>
               <a:t>235</a:t>
             </a:r>
             <a:r>
-              <a:rPr lang="en-US" sz="1800" dirty="0" smtClean="0"/>
+              <a:rPr lang="en-US" sz="1800" dirty="0" smtClean="0">
+                <a:latin typeface="Arial" panose="020B0604020202020204" pitchFamily="34" charset="0"/>
+                <a:cs typeface="Arial" panose="020B0604020202020204" pitchFamily="34" charset="0"/>
+              </a:rPr>
               <a:t>;</a:t>
             </a:r>
-            <a:endParaRPr lang="ru-RU" sz="1800" dirty="0"/>
-          </a:p>
-          <a:p>
-            <a:r>
-              <a:rPr lang="ru-RU" sz="1800" dirty="0"/>
+            <a:endParaRPr lang="ru-RU" sz="1800" dirty="0">
+              <a:latin typeface="Arial" panose="020B0604020202020204" pitchFamily="34" charset="0"/>
+              <a:cs typeface="Arial" panose="020B0604020202020204" pitchFamily="34" charset="0"/>
+            </a:endParaRPr>
+          </a:p>
+          <a:p>
+            <a:r>
+              <a:rPr lang="ru-RU" sz="1800" dirty="0">
+                <a:latin typeface="Arial" panose="020B0604020202020204" pitchFamily="34" charset="0"/>
+                <a:cs typeface="Arial" panose="020B0604020202020204" pitchFamily="34" charset="0"/>
+              </a:rPr>
               <a:t>Тощев, А.С. Применение </a:t>
             </a:r>
             <a:r>
-              <a:rPr lang="ru-RU" sz="1800" dirty="0" smtClean="0"/>
+              <a:rPr lang="ru-RU" sz="1800" dirty="0" smtClean="0">
+                <a:latin typeface="Arial" panose="020B0604020202020204" pitchFamily="34" charset="0"/>
+                <a:cs typeface="Arial" panose="020B0604020202020204" pitchFamily="34" charset="0"/>
+              </a:rPr>
               <a:t>моделей </a:t>
             </a:r>
             <a:r>
-              <a:rPr lang="ru-RU" sz="1800" dirty="0"/>
+              <a:rPr lang="ru-RU" sz="1800" dirty="0">
+                <a:latin typeface="Arial" panose="020B0604020202020204" pitchFamily="34" charset="0"/>
+                <a:cs typeface="Arial" panose="020B0604020202020204" pitchFamily="34" charset="0"/>
+              </a:rPr>
               <a:t>мышления в интеллектуальных вопросно-ответных системах [Текст] / А.С. Тощев // Электронные </a:t>
             </a:r>
             <a:r>
-              <a:rPr lang="ru-RU" sz="1800" dirty="0" smtClean="0"/>
+              <a:rPr lang="ru-RU" sz="1800" dirty="0" smtClean="0">
+                <a:latin typeface="Arial" panose="020B0604020202020204" pitchFamily="34" charset="0"/>
+                <a:cs typeface="Arial" panose="020B0604020202020204" pitchFamily="34" charset="0"/>
+              </a:rPr>
               <a:t>библиотеки</a:t>
             </a:r>
             <a:r>
-              <a:rPr lang="ru-RU" sz="1800" dirty="0"/>
+              <a:rPr lang="ru-RU" sz="1800" dirty="0">
+                <a:latin typeface="Arial" panose="020B0604020202020204" pitchFamily="34" charset="0"/>
+                <a:cs typeface="Arial" panose="020B0604020202020204" pitchFamily="34" charset="0"/>
+              </a:rPr>
               <a:t>. –– 2015. –– Т. 18. –– С. 216 – </a:t>
             </a:r>
             <a:r>
-              <a:rPr lang="ru-RU" sz="1800" dirty="0" smtClean="0"/>
+              <a:rPr lang="ru-RU" sz="1800" dirty="0" smtClean="0">
+                <a:latin typeface="Arial" panose="020B0604020202020204" pitchFamily="34" charset="0"/>
+                <a:cs typeface="Arial" panose="020B0604020202020204" pitchFamily="34" charset="0"/>
+              </a:rPr>
               <a:t>224</a:t>
             </a:r>
             <a:r>
-              <a:rPr lang="en-US" sz="1800" dirty="0"/>
+              <a:rPr lang="en-US" sz="1800" dirty="0">
+                <a:latin typeface="Arial" panose="020B0604020202020204" pitchFamily="34" charset="0"/>
+                <a:cs typeface="Arial" panose="020B0604020202020204" pitchFamily="34" charset="0"/>
+              </a:rPr>
               <a:t>.</a:t>
             </a:r>
-            <a:endParaRPr lang="ru-RU" sz="1800" dirty="0"/>
+            <a:endParaRPr lang="ru-RU" sz="1800" dirty="0">
+              <a:latin typeface="Arial" panose="020B0604020202020204" pitchFamily="34" charset="0"/>
+              <a:cs typeface="Arial" panose="020B0604020202020204" pitchFamily="34" charset="0"/>
+            </a:endParaRPr>
           </a:p>
           <a:p>
             <a:endParaRPr lang="ru-RU" sz="2000" dirty="0"/>
@@ -18354,69 +18694,114 @@
           <a:lstStyle/>
           <a:p>
             <a:r>
-              <a:rPr lang="ru-RU" sz="2400" b="1" dirty="0"/>
+              <a:rPr lang="ru-RU" sz="2400" b="1" dirty="0">
+                <a:latin typeface="Arial" panose="020B0604020202020204" pitchFamily="34" charset="0"/>
+                <a:cs typeface="Arial" panose="020B0604020202020204" pitchFamily="34" charset="0"/>
+              </a:rPr>
               <a:t>Глава 2. Модель интеллектуальной системы принятия решений для регистрации и анализа проблемных ситуаций в ИТ-инфраструктуре </a:t>
             </a:r>
             <a:r>
-              <a:rPr lang="ru-RU" sz="2400" b="1" dirty="0" smtClean="0"/>
+              <a:rPr lang="ru-RU" sz="2400" b="1" dirty="0" smtClean="0">
+                <a:latin typeface="Arial" panose="020B0604020202020204" pitchFamily="34" charset="0"/>
+                <a:cs typeface="Arial" panose="020B0604020202020204" pitchFamily="34" charset="0"/>
+              </a:rPr>
               <a:t>предприятия</a:t>
             </a:r>
           </a:p>
           <a:p>
             <a:pPr lvl="1"/>
             <a:r>
-              <a:rPr lang="ru-RU" sz="2000" dirty="0"/>
+              <a:rPr lang="ru-RU" sz="2000" dirty="0">
+                <a:latin typeface="Arial" panose="020B0604020202020204" pitchFamily="34" charset="0"/>
+                <a:cs typeface="Arial" panose="020B0604020202020204" pitchFamily="34" charset="0"/>
+              </a:rPr>
               <a:t>2.1  Построение модели </a:t>
             </a:r>
             <a:r>
-              <a:rPr lang="ru-RU" sz="2000" dirty="0" err="1"/>
+              <a:rPr lang="ru-RU" sz="2000" dirty="0" err="1">
+                <a:latin typeface="Arial" panose="020B0604020202020204" pitchFamily="34" charset="0"/>
+                <a:cs typeface="Arial" panose="020B0604020202020204" pitchFamily="34" charset="0"/>
+              </a:rPr>
               <a:t>Menta</a:t>
             </a:r>
             <a:r>
-              <a:rPr lang="ru-RU" sz="2000" dirty="0"/>
+              <a:rPr lang="ru-RU" sz="2000" dirty="0">
+                <a:latin typeface="Arial" panose="020B0604020202020204" pitchFamily="34" charset="0"/>
+                <a:cs typeface="Arial" panose="020B0604020202020204" pitchFamily="34" charset="0"/>
+              </a:rPr>
               <a:t> 0.1 с использованием деревьев принятия </a:t>
             </a:r>
             <a:r>
-              <a:rPr lang="ru-RU" sz="2000" dirty="0" smtClean="0"/>
+              <a:rPr lang="ru-RU" sz="2000" dirty="0" smtClean="0">
+                <a:latin typeface="Arial" panose="020B0604020202020204" pitchFamily="34" charset="0"/>
+                <a:cs typeface="Arial" panose="020B0604020202020204" pitchFamily="34" charset="0"/>
+              </a:rPr>
               <a:t>решений</a:t>
             </a:r>
           </a:p>
           <a:p>
             <a:pPr lvl="1"/>
             <a:r>
-              <a:rPr lang="ru-RU" sz="2000" dirty="0"/>
+              <a:rPr lang="ru-RU" sz="2000" dirty="0">
+                <a:latin typeface="Arial" panose="020B0604020202020204" pitchFamily="34" charset="0"/>
+                <a:cs typeface="Arial" panose="020B0604020202020204" pitchFamily="34" charset="0"/>
+              </a:rPr>
               <a:t>2.2  Модель </a:t>
             </a:r>
             <a:r>
-              <a:rPr lang="ru-RU" sz="2000" dirty="0" err="1"/>
+              <a:rPr lang="ru-RU" sz="2000" dirty="0" err="1">
+                <a:latin typeface="Arial" panose="020B0604020202020204" pitchFamily="34" charset="0"/>
+                <a:cs typeface="Arial" panose="020B0604020202020204" pitchFamily="34" charset="0"/>
+              </a:rPr>
               <a:t>Menta</a:t>
             </a:r>
             <a:r>
-              <a:rPr lang="ru-RU" sz="2000" dirty="0"/>
+              <a:rPr lang="ru-RU" sz="2000" dirty="0">
+                <a:latin typeface="Arial" panose="020B0604020202020204" pitchFamily="34" charset="0"/>
+                <a:cs typeface="Arial" panose="020B0604020202020204" pitchFamily="34" charset="0"/>
+              </a:rPr>
               <a:t> 0.3 с использованием генетических алгоритмов </a:t>
             </a:r>
-            <a:endParaRPr lang="ru-RU" sz="2000" dirty="0" smtClean="0"/>
+            <a:endParaRPr lang="ru-RU" sz="2000" dirty="0" smtClean="0">
+              <a:latin typeface="Arial" panose="020B0604020202020204" pitchFamily="34" charset="0"/>
+              <a:cs typeface="Arial" panose="020B0604020202020204" pitchFamily="34" charset="0"/>
+            </a:endParaRPr>
           </a:p>
           <a:p>
             <a:pPr lvl="1"/>
             <a:r>
-              <a:rPr lang="ru-RU" sz="2000" dirty="0"/>
+              <a:rPr lang="ru-RU" sz="2000" dirty="0">
+                <a:latin typeface="Arial" panose="020B0604020202020204" pitchFamily="34" charset="0"/>
+                <a:cs typeface="Arial" panose="020B0604020202020204" pitchFamily="34" charset="0"/>
+              </a:rPr>
               <a:t>2.3  Модель TU 1.0, основанная на модели мышления </a:t>
             </a:r>
             <a:r>
-              <a:rPr lang="ru-RU" sz="2000" dirty="0" err="1"/>
+              <a:rPr lang="ru-RU" sz="2000" dirty="0" err="1">
+                <a:latin typeface="Arial" panose="020B0604020202020204" pitchFamily="34" charset="0"/>
+                <a:cs typeface="Arial" panose="020B0604020202020204" pitchFamily="34" charset="0"/>
+              </a:rPr>
               <a:t>Марвина</a:t>
             </a:r>
             <a:r>
-              <a:rPr lang="ru-RU" sz="2000" dirty="0"/>
+              <a:rPr lang="ru-RU" sz="2000" dirty="0">
+                <a:latin typeface="Arial" panose="020B0604020202020204" pitchFamily="34" charset="0"/>
+                <a:cs typeface="Arial" panose="020B0604020202020204" pitchFamily="34" charset="0"/>
+              </a:rPr>
               <a:t> </a:t>
             </a:r>
             <a:r>
-              <a:rPr lang="ru-RU" sz="2000" dirty="0" err="1"/>
+              <a:rPr lang="ru-RU" sz="2000" dirty="0" err="1">
+                <a:latin typeface="Arial" panose="020B0604020202020204" pitchFamily="34" charset="0"/>
+                <a:cs typeface="Arial" panose="020B0604020202020204" pitchFamily="34" charset="0"/>
+              </a:rPr>
               <a:t>Мински</a:t>
             </a:r>
             <a:r>
-              <a:rPr lang="ru-RU" sz="2000" dirty="0"/>
+              <a:rPr lang="ru-RU" sz="2000" dirty="0">
+                <a:latin typeface="Arial" panose="020B0604020202020204" pitchFamily="34" charset="0"/>
+                <a:cs typeface="Arial" panose="020B0604020202020204" pitchFamily="34" charset="0"/>
+              </a:rPr>
               <a:t> </a:t>
             </a:r>
           </a:p>
@@ -18495,44 +18880,68 @@
           <a:lstStyle/>
           <a:p>
             <a:r>
-              <a:rPr lang="ru-RU" b="1" dirty="0"/>
+              <a:rPr lang="ru-RU" b="1" dirty="0">
+                <a:latin typeface="Arial" panose="020B0604020202020204" pitchFamily="34" charset="0"/>
+                <a:cs typeface="Arial" panose="020B0604020202020204" pitchFamily="34" charset="0"/>
+              </a:rPr>
               <a:t>Глава 3. Реализация модели TU 1.0 для системы интеллектуальной регистрации и устранения проблемных </a:t>
             </a:r>
             <a:r>
-              <a:rPr lang="ru-RU" b="1" dirty="0" smtClean="0"/>
+              <a:rPr lang="ru-RU" b="1" dirty="0" smtClean="0">
+                <a:latin typeface="Arial" panose="020B0604020202020204" pitchFamily="34" charset="0"/>
+                <a:cs typeface="Arial" panose="020B0604020202020204" pitchFamily="34" charset="0"/>
+              </a:rPr>
               <a:t>ситуаций</a:t>
             </a:r>
           </a:p>
           <a:p>
             <a:pPr lvl="1"/>
             <a:r>
-              <a:rPr lang="ru-RU" dirty="0"/>
+              <a:rPr lang="ru-RU" dirty="0">
+                <a:latin typeface="Arial" panose="020B0604020202020204" pitchFamily="34" charset="0"/>
+                <a:cs typeface="Arial" panose="020B0604020202020204" pitchFamily="34" charset="0"/>
+              </a:rPr>
               <a:t>3.1  Архитектура </a:t>
             </a:r>
             <a:r>
-              <a:rPr lang="ru-RU" dirty="0" smtClean="0"/>
+              <a:rPr lang="ru-RU" dirty="0" smtClean="0">
+                <a:latin typeface="Arial" panose="020B0604020202020204" pitchFamily="34" charset="0"/>
+                <a:cs typeface="Arial" panose="020B0604020202020204" pitchFamily="34" charset="0"/>
+              </a:rPr>
               <a:t>системы</a:t>
             </a:r>
           </a:p>
           <a:p>
             <a:pPr lvl="1"/>
             <a:r>
-              <a:rPr lang="ru-RU" dirty="0"/>
+              <a:rPr lang="ru-RU" dirty="0">
+                <a:latin typeface="Arial" panose="020B0604020202020204" pitchFamily="34" charset="0"/>
+                <a:cs typeface="Arial" panose="020B0604020202020204" pitchFamily="34" charset="0"/>
+              </a:rPr>
               <a:t>3.2  Модель данных </a:t>
             </a:r>
             <a:r>
-              <a:rPr lang="ru-RU" dirty="0" err="1"/>
+              <a:rPr lang="ru-RU" dirty="0" err="1">
+                <a:latin typeface="Arial" panose="020B0604020202020204" pitchFamily="34" charset="0"/>
+                <a:cs typeface="Arial" panose="020B0604020202020204" pitchFamily="34" charset="0"/>
+              </a:rPr>
               <a:t>TUKnowledge</a:t>
             </a:r>
             <a:r>
-              <a:rPr lang="ru-RU" dirty="0" smtClean="0"/>
+              <a:rPr lang="ru-RU" dirty="0" smtClean="0">
+                <a:latin typeface="Arial" panose="020B0604020202020204" pitchFamily="34" charset="0"/>
+                <a:cs typeface="Arial" panose="020B0604020202020204" pitchFamily="34" charset="0"/>
+              </a:rPr>
               <a:t> </a:t>
             </a:r>
           </a:p>
           <a:p>
             <a:pPr lvl="1"/>
             <a:r>
-              <a:rPr lang="ru-RU" dirty="0"/>
+              <a:rPr lang="ru-RU" dirty="0">
+                <a:latin typeface="Arial" panose="020B0604020202020204" pitchFamily="34" charset="0"/>
+                <a:cs typeface="Arial" panose="020B0604020202020204" pitchFamily="34" charset="0"/>
+              </a:rPr>
               <a:t>3.3  Прототип системы</a:t>
             </a:r>
           </a:p>
@@ -18606,44 +19015,74 @@
           <a:lstStyle/>
           <a:p>
             <a:r>
-              <a:rPr lang="ru-RU" b="1" dirty="0"/>
+              <a:rPr lang="ru-RU" b="1" dirty="0">
+                <a:latin typeface="Arial" panose="020B0604020202020204" pitchFamily="34" charset="0"/>
+                <a:cs typeface="Arial" panose="020B0604020202020204" pitchFamily="34" charset="0"/>
+              </a:rPr>
               <a:t>Глава 4. Экспериментальные исследования эффективности работы модели </a:t>
             </a:r>
             <a:r>
-              <a:rPr lang="ru-RU" b="1" dirty="0" smtClean="0"/>
+              <a:rPr lang="ru-RU" b="1" dirty="0" smtClean="0">
+                <a:latin typeface="Arial" panose="020B0604020202020204" pitchFamily="34" charset="0"/>
+                <a:cs typeface="Arial" panose="020B0604020202020204" pitchFamily="34" charset="0"/>
+              </a:rPr>
               <a:t>TU</a:t>
             </a:r>
           </a:p>
           <a:p>
             <a:pPr lvl="1"/>
             <a:r>
-              <a:rPr lang="ru-RU" dirty="0"/>
+              <a:rPr lang="ru-RU" dirty="0">
+                <a:latin typeface="Arial" panose="020B0604020202020204" pitchFamily="34" charset="0"/>
+                <a:cs typeface="Arial" panose="020B0604020202020204" pitchFamily="34" charset="0"/>
+              </a:rPr>
               <a:t>4.1  Экспериментальные данные </a:t>
             </a:r>
-            <a:endParaRPr lang="ru-RU" dirty="0" smtClean="0"/>
+            <a:endParaRPr lang="ru-RU" dirty="0" smtClean="0">
+              <a:latin typeface="Arial" panose="020B0604020202020204" pitchFamily="34" charset="0"/>
+              <a:cs typeface="Arial" panose="020B0604020202020204" pitchFamily="34" charset="0"/>
+            </a:endParaRPr>
           </a:p>
           <a:p>
             <a:pPr lvl="1"/>
             <a:r>
-              <a:rPr lang="ru-RU" dirty="0"/>
+              <a:rPr lang="ru-RU" dirty="0">
+                <a:latin typeface="Arial" panose="020B0604020202020204" pitchFamily="34" charset="0"/>
+                <a:cs typeface="Arial" panose="020B0604020202020204" pitchFamily="34" charset="0"/>
+              </a:rPr>
               <a:t>4.2  Оценка эффективности </a:t>
             </a:r>
-            <a:endParaRPr lang="ru-RU" dirty="0" smtClean="0"/>
+            <a:endParaRPr lang="ru-RU" dirty="0" smtClean="0">
+              <a:latin typeface="Arial" panose="020B0604020202020204" pitchFamily="34" charset="0"/>
+              <a:cs typeface="Arial" panose="020B0604020202020204" pitchFamily="34" charset="0"/>
+            </a:endParaRPr>
           </a:p>
           <a:p>
             <a:pPr lvl="1"/>
             <a:r>
-              <a:rPr lang="ru-RU" dirty="0"/>
+              <a:rPr lang="ru-RU" dirty="0">
+                <a:latin typeface="Arial" panose="020B0604020202020204" pitchFamily="34" charset="0"/>
+                <a:cs typeface="Arial" panose="020B0604020202020204" pitchFamily="34" charset="0"/>
+              </a:rPr>
               <a:t>4.3  Результаты экспериментов </a:t>
             </a:r>
-            <a:endParaRPr lang="ru-RU" dirty="0" smtClean="0"/>
-          </a:p>
-          <a:p>
-            <a:r>
-              <a:rPr lang="ru-RU" b="1" dirty="0" smtClean="0"/>
+            <a:endParaRPr lang="ru-RU" dirty="0" smtClean="0">
+              <a:latin typeface="Arial" panose="020B0604020202020204" pitchFamily="34" charset="0"/>
+              <a:cs typeface="Arial" panose="020B0604020202020204" pitchFamily="34" charset="0"/>
+            </a:endParaRPr>
+          </a:p>
+          <a:p>
+            <a:r>
+              <a:rPr lang="ru-RU" b="1" dirty="0" smtClean="0">
+                <a:latin typeface="Arial" panose="020B0604020202020204" pitchFamily="34" charset="0"/>
+                <a:cs typeface="Arial" panose="020B0604020202020204" pitchFamily="34" charset="0"/>
+              </a:rPr>
               <a:t>Заключение</a:t>
             </a:r>
-            <a:endParaRPr lang="ru-RU" b="1" dirty="0"/>
+            <a:endParaRPr lang="ru-RU" b="1" dirty="0">
+              <a:latin typeface="Arial" panose="020B0604020202020204" pitchFamily="34" charset="0"/>
+              <a:cs typeface="Arial" panose="020B0604020202020204" pitchFamily="34" charset="0"/>
+            </a:endParaRPr>
           </a:p>
         </p:txBody>
       </p:sp>
@@ -18815,11 +19254,7 @@
             </a:pPr>
             <a:r>
               <a:rPr lang="ru-RU" sz="2400" dirty="0" smtClean="0"/>
-              <a:t>Казанский (Приволжский) Федеральный </a:t>
-            </a:r>
-            <a:r>
-              <a:rPr lang="ru-RU" sz="2400" dirty="0" smtClean="0"/>
-              <a:t>Университет</a:t>
+              <a:t>Казанский (Приволжский) Федеральный Университет</a:t>
             </a:r>
             <a:r>
               <a:rPr lang="en-US" sz="2400" dirty="0" smtClean="0"/>
@@ -18847,11 +19282,7 @@
             </a:r>
             <a:r>
               <a:rPr lang="ru-RU" sz="2400" dirty="0" smtClean="0"/>
-              <a:t>. М. </a:t>
-            </a:r>
-            <a:r>
-              <a:rPr lang="ru-RU" sz="2400" dirty="0" smtClean="0"/>
-              <a:t>Елизаров</a:t>
+              <a:t>. М. Елизаров</a:t>
             </a:r>
             <a:r>
               <a:rPr lang="en-US" sz="2400" dirty="0" smtClean="0"/>
@@ -18874,20 +19305,22 @@
               <a:buNone/>
             </a:pPr>
             <a:r>
-              <a:rPr lang="en-US" sz="2400" dirty="0" smtClean="0"/>
+              <a:rPr lang="en-US" sz="2400" dirty="0" smtClean="0">
+                <a:latin typeface="Arial" panose="020B0604020202020204" pitchFamily="34" charset="0"/>
+                <a:cs typeface="Arial" panose="020B0604020202020204" pitchFamily="34" charset="0"/>
+              </a:rPr>
               <a:t>05.13.01 – </a:t>
             </a:r>
             <a:r>
+              <a:rPr lang="ru-RU" sz="2400" dirty="0" smtClean="0">
+                <a:latin typeface="Arial" panose="020B0604020202020204" pitchFamily="34" charset="0"/>
+                <a:cs typeface="Arial" panose="020B0604020202020204" pitchFamily="34" charset="0"/>
+              </a:rPr>
+              <a:t>физ.-мат. Системный </a:t>
+            </a:r>
+            <a:r>
               <a:rPr lang="ru-RU" sz="2400" dirty="0" smtClean="0"/>
-              <a:t>физ.-</a:t>
-            </a:r>
-            <a:r>
-              <a:rPr lang="ru-RU" sz="2400" dirty="0" smtClean="0"/>
-              <a:t>м</a:t>
-            </a:r>
-            <a:r>
-              <a:rPr lang="ru-RU" sz="2400" dirty="0" smtClean="0"/>
-              <a:t>ат. Системный анализ, управление и обработка данных (информатика)</a:t>
+              <a:t>анализ, управление и обработка данных (информатика)</a:t>
             </a:r>
             <a:r>
               <a:rPr lang="en-US" sz="2400" dirty="0" smtClean="0"/>
@@ -19263,115 +19696,199 @@
           <a:lstStyle/>
           <a:p>
             <a:r>
-              <a:rPr lang="en-US" dirty="0" smtClean="0"/>
+              <a:rPr lang="en-US" dirty="0" smtClean="0">
+                <a:latin typeface="Arial" panose="020B0604020202020204" pitchFamily="34" charset="0"/>
+                <a:cs typeface="Arial" panose="020B0604020202020204" pitchFamily="34" charset="0"/>
+              </a:rPr>
               <a:t>IBM Watson (IBM) - </a:t>
             </a:r>
             <a:r>
-              <a:rPr lang="ru-RU" dirty="0"/>
+              <a:rPr lang="ru-RU" dirty="0">
+                <a:latin typeface="Arial" panose="020B0604020202020204" pitchFamily="34" charset="0"/>
+                <a:cs typeface="Arial" panose="020B0604020202020204" pitchFamily="34" charset="0"/>
+              </a:rPr>
               <a:t>А. </a:t>
             </a:r>
             <a:r>
-              <a:rPr lang="ru-RU" dirty="0" err="1" smtClean="0"/>
+              <a:rPr lang="ru-RU" dirty="0" err="1" smtClean="0">
+                <a:latin typeface="Arial" panose="020B0604020202020204" pitchFamily="34" charset="0"/>
+                <a:cs typeface="Arial" panose="020B0604020202020204" pitchFamily="34" charset="0"/>
+              </a:rPr>
               <a:t>Гоэл</a:t>
             </a:r>
             <a:r>
-              <a:rPr lang="ru-RU" dirty="0" err="1"/>
+              <a:rPr lang="ru-RU" dirty="0" err="1">
+                <a:latin typeface="Arial" panose="020B0604020202020204" pitchFamily="34" charset="0"/>
+                <a:cs typeface="Arial" panose="020B0604020202020204" pitchFamily="34" charset="0"/>
+              </a:rPr>
               <a:t>ь</a:t>
             </a:r>
             <a:r>
-              <a:rPr lang="en-US" dirty="0" smtClean="0"/>
+              <a:rPr lang="en-US" dirty="0" smtClean="0">
+                <a:latin typeface="Arial" panose="020B0604020202020204" pitchFamily="34" charset="0"/>
+                <a:cs typeface="Arial" panose="020B0604020202020204" pitchFamily="34" charset="0"/>
+              </a:rPr>
               <a:t>;</a:t>
             </a:r>
-            <a:endParaRPr lang="ru-RU" dirty="0" smtClean="0"/>
-          </a:p>
-          <a:p>
-            <a:r>
-              <a:rPr lang="en-US" dirty="0" smtClean="0"/>
+            <a:endParaRPr lang="ru-RU" dirty="0" smtClean="0">
+              <a:latin typeface="Arial" panose="020B0604020202020204" pitchFamily="34" charset="0"/>
+              <a:cs typeface="Arial" panose="020B0604020202020204" pitchFamily="34" charset="0"/>
+            </a:endParaRPr>
+          </a:p>
+          <a:p>
+            <a:r>
+              <a:rPr lang="en-US" dirty="0" smtClean="0">
+                <a:latin typeface="Arial" panose="020B0604020202020204" pitchFamily="34" charset="0"/>
+                <a:cs typeface="Arial" panose="020B0604020202020204" pitchFamily="34" charset="0"/>
+              </a:rPr>
               <a:t>GATE3 (</a:t>
             </a:r>
             <a:r>
-              <a:rPr lang="ru-RU" dirty="0" smtClean="0"/>
+              <a:rPr lang="ru-RU" dirty="0" smtClean="0">
+                <a:latin typeface="Arial" panose="020B0604020202020204" pitchFamily="34" charset="0"/>
+                <a:cs typeface="Arial" panose="020B0604020202020204" pitchFamily="34" charset="0"/>
+              </a:rPr>
               <a:t>Университет Шеффилда (Великобритания)</a:t>
             </a:r>
             <a:r>
-              <a:rPr lang="en-US" dirty="0" smtClean="0"/>
+              <a:rPr lang="en-US" dirty="0" smtClean="0">
+                <a:latin typeface="Arial" panose="020B0604020202020204" pitchFamily="34" charset="0"/>
+                <a:cs typeface="Arial" panose="020B0604020202020204" pitchFamily="34" charset="0"/>
+              </a:rPr>
               <a:t>)</a:t>
             </a:r>
             <a:r>
-              <a:rPr lang="ru-RU" dirty="0" smtClean="0"/>
+              <a:rPr lang="ru-RU" dirty="0" smtClean="0">
+                <a:latin typeface="Arial" panose="020B0604020202020204" pitchFamily="34" charset="0"/>
+                <a:cs typeface="Arial" panose="020B0604020202020204" pitchFamily="34" charset="0"/>
+              </a:rPr>
               <a:t> – Г. </a:t>
             </a:r>
             <a:r>
-              <a:rPr lang="ru-RU" dirty="0" err="1" smtClean="0"/>
+              <a:rPr lang="ru-RU" dirty="0" err="1" smtClean="0">
+                <a:latin typeface="Arial" panose="020B0604020202020204" pitchFamily="34" charset="0"/>
+                <a:cs typeface="Arial" panose="020B0604020202020204" pitchFamily="34" charset="0"/>
+              </a:rPr>
               <a:t>Каллаган</a:t>
             </a:r>
             <a:r>
-              <a:rPr lang="en-US" dirty="0" smtClean="0"/>
+              <a:rPr lang="en-US" dirty="0" smtClean="0">
+                <a:latin typeface="Arial" panose="020B0604020202020204" pitchFamily="34" charset="0"/>
+                <a:cs typeface="Arial" panose="020B0604020202020204" pitchFamily="34" charset="0"/>
+              </a:rPr>
               <a:t>;</a:t>
             </a:r>
           </a:p>
           <a:p>
             <a:r>
-              <a:rPr lang="en-US" dirty="0" err="1" smtClean="0"/>
+              <a:rPr lang="en-US" dirty="0" err="1" smtClean="0">
+                <a:latin typeface="Arial" panose="020B0604020202020204" pitchFamily="34" charset="0"/>
+                <a:cs typeface="Arial" panose="020B0604020202020204" pitchFamily="34" charset="0"/>
+              </a:rPr>
               <a:t>OpenCog</a:t>
             </a:r>
             <a:r>
-              <a:rPr lang="ru-RU" dirty="0" smtClean="0"/>
+              <a:rPr lang="ru-RU" dirty="0" smtClean="0">
+                <a:latin typeface="Arial" panose="020B0604020202020204" pitchFamily="34" charset="0"/>
+                <a:cs typeface="Arial" panose="020B0604020202020204" pitchFamily="34" charset="0"/>
+              </a:rPr>
               <a:t> </a:t>
             </a:r>
             <a:r>
-              <a:rPr lang="en-US" dirty="0" smtClean="0"/>
+              <a:rPr lang="en-US" dirty="0" smtClean="0">
+                <a:latin typeface="Arial" panose="020B0604020202020204" pitchFamily="34" charset="0"/>
+                <a:cs typeface="Arial" panose="020B0604020202020204" pitchFamily="34" charset="0"/>
+              </a:rPr>
               <a:t>(</a:t>
             </a:r>
             <a:r>
-              <a:rPr lang="ru-RU" dirty="0" smtClean="0"/>
+              <a:rPr lang="ru-RU" dirty="0" smtClean="0">
+                <a:latin typeface="Arial" panose="020B0604020202020204" pitchFamily="34" charset="0"/>
+                <a:cs typeface="Arial" panose="020B0604020202020204" pitchFamily="34" charset="0"/>
+              </a:rPr>
               <a:t>США) </a:t>
             </a:r>
             <a:r>
-              <a:rPr lang="ru-RU" dirty="0"/>
+              <a:rPr lang="ru-RU" dirty="0">
+                <a:latin typeface="Arial" panose="020B0604020202020204" pitchFamily="34" charset="0"/>
+                <a:cs typeface="Arial" panose="020B0604020202020204" pitchFamily="34" charset="0"/>
+              </a:rPr>
               <a:t>–</a:t>
             </a:r>
             <a:r>
-              <a:rPr lang="ru-RU" dirty="0" smtClean="0"/>
+              <a:rPr lang="ru-RU" dirty="0" smtClean="0">
+                <a:latin typeface="Arial" panose="020B0604020202020204" pitchFamily="34" charset="0"/>
+                <a:cs typeface="Arial" panose="020B0604020202020204" pitchFamily="34" charset="0"/>
+              </a:rPr>
               <a:t> </a:t>
             </a:r>
             <a:r>
-              <a:rPr lang="en-US" dirty="0" smtClean="0"/>
+              <a:rPr lang="en-US" dirty="0" smtClean="0">
+                <a:latin typeface="Arial" panose="020B0604020202020204" pitchFamily="34" charset="0"/>
+                <a:cs typeface="Arial" panose="020B0604020202020204" pitchFamily="34" charset="0"/>
+              </a:rPr>
               <a:t> </a:t>
             </a:r>
             <a:r>
-              <a:rPr lang="ru-RU" dirty="0" smtClean="0"/>
+              <a:rPr lang="ru-RU" dirty="0" smtClean="0">
+                <a:latin typeface="Arial" panose="020B0604020202020204" pitchFamily="34" charset="0"/>
+                <a:cs typeface="Arial" panose="020B0604020202020204" pitchFamily="34" charset="0"/>
+              </a:rPr>
               <a:t>Б</a:t>
             </a:r>
             <a:r>
-              <a:rPr lang="en-US" dirty="0" smtClean="0"/>
+              <a:rPr lang="en-US" dirty="0" smtClean="0">
+                <a:latin typeface="Arial" panose="020B0604020202020204" pitchFamily="34" charset="0"/>
+                <a:cs typeface="Arial" panose="020B0604020202020204" pitchFamily="34" charset="0"/>
+              </a:rPr>
               <a:t>.</a:t>
             </a:r>
             <a:r>
-              <a:rPr lang="ru-RU" dirty="0" smtClean="0"/>
+              <a:rPr lang="ru-RU" dirty="0" smtClean="0">
+                <a:latin typeface="Arial" panose="020B0604020202020204" pitchFamily="34" charset="0"/>
+                <a:cs typeface="Arial" panose="020B0604020202020204" pitchFamily="34" charset="0"/>
+              </a:rPr>
               <a:t> </a:t>
             </a:r>
             <a:r>
-              <a:rPr lang="ru-RU" dirty="0" err="1" smtClean="0"/>
+              <a:rPr lang="ru-RU" dirty="0" err="1" smtClean="0">
+                <a:latin typeface="Arial" panose="020B0604020202020204" pitchFamily="34" charset="0"/>
+                <a:cs typeface="Arial" panose="020B0604020202020204" pitchFamily="34" charset="0"/>
+              </a:rPr>
               <a:t>Герцель</a:t>
             </a:r>
             <a:r>
-              <a:rPr lang="en-US" dirty="0" smtClean="0"/>
+              <a:rPr lang="en-US" dirty="0" smtClean="0">
+                <a:latin typeface="Arial" panose="020B0604020202020204" pitchFamily="34" charset="0"/>
+                <a:cs typeface="Arial" panose="020B0604020202020204" pitchFamily="34" charset="0"/>
+              </a:rPr>
               <a:t>;</a:t>
             </a:r>
-            <a:endParaRPr lang="ru-RU" dirty="0" smtClean="0"/>
-          </a:p>
-          <a:p>
-            <a:r>
-              <a:rPr lang="en-US" dirty="0" smtClean="0"/>
+            <a:endParaRPr lang="ru-RU" dirty="0" smtClean="0">
+              <a:latin typeface="Arial" panose="020B0604020202020204" pitchFamily="34" charset="0"/>
+              <a:cs typeface="Arial" panose="020B0604020202020204" pitchFamily="34" charset="0"/>
+            </a:endParaRPr>
+          </a:p>
+          <a:p>
+            <a:r>
+              <a:rPr lang="en-US" dirty="0" smtClean="0">
+                <a:latin typeface="Arial" panose="020B0604020202020204" pitchFamily="34" charset="0"/>
+                <a:cs typeface="Arial" panose="020B0604020202020204" pitchFamily="34" charset="0"/>
+              </a:rPr>
               <a:t>NARS (</a:t>
             </a:r>
             <a:r>
-              <a:rPr lang="ru-RU" dirty="0" smtClean="0"/>
+              <a:rPr lang="ru-RU" dirty="0" smtClean="0">
+                <a:latin typeface="Arial" panose="020B0604020202020204" pitchFamily="34" charset="0"/>
+                <a:cs typeface="Arial" panose="020B0604020202020204" pitchFamily="34" charset="0"/>
+              </a:rPr>
               <a:t>Китай) – П. Вонг</a:t>
             </a:r>
             <a:r>
-              <a:rPr lang="en-US" dirty="0" smtClean="0"/>
+              <a:rPr lang="en-US" dirty="0" smtClean="0">
+                <a:latin typeface="Arial" panose="020B0604020202020204" pitchFamily="34" charset="0"/>
+                <a:cs typeface="Arial" panose="020B0604020202020204" pitchFamily="34" charset="0"/>
+              </a:rPr>
               <a:t>.</a:t>
             </a:r>
           </a:p>
@@ -22536,27 +23053,42 @@
           <a:lstStyle/>
           <a:p>
             <a:r>
-              <a:rPr lang="en-US" dirty="0" err="1" smtClean="0"/>
+              <a:rPr lang="en-US" dirty="0" err="1" smtClean="0">
+                <a:latin typeface="Arial" panose="020B0604020202020204" pitchFamily="34" charset="0"/>
+                <a:cs typeface="Arial" panose="020B0604020202020204" pitchFamily="34" charset="0"/>
+              </a:rPr>
               <a:t>Menta</a:t>
             </a:r>
             <a:r>
-              <a:rPr lang="en-US" dirty="0" smtClean="0"/>
+              <a:rPr lang="en-US" dirty="0" smtClean="0">
+                <a:latin typeface="Arial" panose="020B0604020202020204" pitchFamily="34" charset="0"/>
+                <a:cs typeface="Arial" panose="020B0604020202020204" pitchFamily="34" charset="0"/>
+              </a:rPr>
               <a:t> 0.1;</a:t>
             </a:r>
           </a:p>
           <a:p>
             <a:r>
-              <a:rPr lang="en-US" dirty="0" err="1" smtClean="0"/>
+              <a:rPr lang="en-US" dirty="0" err="1" smtClean="0">
+                <a:latin typeface="Arial" panose="020B0604020202020204" pitchFamily="34" charset="0"/>
+                <a:cs typeface="Arial" panose="020B0604020202020204" pitchFamily="34" charset="0"/>
+              </a:rPr>
               <a:t>Menta</a:t>
             </a:r>
             <a:r>
-              <a:rPr lang="en-US" dirty="0" smtClean="0"/>
+              <a:rPr lang="en-US" dirty="0" smtClean="0">
+                <a:latin typeface="Arial" panose="020B0604020202020204" pitchFamily="34" charset="0"/>
+                <a:cs typeface="Arial" panose="020B0604020202020204" pitchFamily="34" charset="0"/>
+              </a:rPr>
               <a:t> 0.3;</a:t>
             </a:r>
           </a:p>
           <a:p>
             <a:r>
-              <a:rPr lang="en-US" dirty="0" smtClean="0"/>
+              <a:rPr lang="en-US" dirty="0" smtClean="0">
+                <a:latin typeface="Arial" panose="020B0604020202020204" pitchFamily="34" charset="0"/>
+                <a:cs typeface="Arial" panose="020B0604020202020204" pitchFamily="34" charset="0"/>
+              </a:rPr>
               <a:t>TU 1.0.</a:t>
             </a:r>
           </a:p>
@@ -22631,14 +23163,23 @@
           <a:lstStyle/>
           <a:p>
             <a:r>
-              <a:rPr lang="en-US" dirty="0" err="1" smtClean="0"/>
+              <a:rPr lang="en-US" dirty="0" err="1" smtClean="0">
+                <a:latin typeface="Arial" panose="020B0604020202020204" pitchFamily="34" charset="0"/>
+                <a:cs typeface="Arial" panose="020B0604020202020204" pitchFamily="34" charset="0"/>
+              </a:rPr>
               <a:t>Menta</a:t>
             </a:r>
             <a:r>
-              <a:rPr lang="en-US" dirty="0" smtClean="0"/>
+              <a:rPr lang="en-US" dirty="0" smtClean="0">
+                <a:latin typeface="Arial" panose="020B0604020202020204" pitchFamily="34" charset="0"/>
+                <a:cs typeface="Arial" panose="020B0604020202020204" pitchFamily="34" charset="0"/>
+              </a:rPr>
               <a:t> 0.1</a:t>
             </a:r>
-            <a:endParaRPr lang="ru-RU" dirty="0"/>
+            <a:endParaRPr lang="ru-RU" dirty="0">
+              <a:latin typeface="Arial" panose="020B0604020202020204" pitchFamily="34" charset="0"/>
+              <a:cs typeface="Arial" panose="020B0604020202020204" pitchFamily="34" charset="0"/>
+            </a:endParaRPr>
           </a:p>
         </p:txBody>
       </p:sp>
@@ -22669,24 +23210,36 @@
           <a:p>
             <a:pPr lvl="1"/>
             <a:r>
-              <a:rPr lang="en-US" dirty="0" smtClean="0"/>
+              <a:rPr lang="en-US" dirty="0" smtClean="0">
+                <a:latin typeface="Arial" panose="020B0604020202020204" pitchFamily="34" charset="0"/>
+                <a:cs typeface="Arial" panose="020B0604020202020204" pitchFamily="34" charset="0"/>
+              </a:rPr>
               <a:t>Request parser;</a:t>
             </a:r>
           </a:p>
           <a:p>
             <a:pPr lvl="1"/>
             <a:r>
-              <a:rPr lang="en-US" dirty="0" smtClean="0"/>
+              <a:rPr lang="en-US" dirty="0" smtClean="0">
+                <a:latin typeface="Arial" panose="020B0604020202020204" pitchFamily="34" charset="0"/>
+                <a:cs typeface="Arial" panose="020B0604020202020204" pitchFamily="34" charset="0"/>
+              </a:rPr>
               <a:t>Action generator;</a:t>
             </a:r>
           </a:p>
           <a:p>
             <a:pPr lvl="1"/>
             <a:r>
-              <a:rPr lang="en-US" dirty="0" smtClean="0"/>
+              <a:rPr lang="en-US" dirty="0" smtClean="0">
+                <a:latin typeface="Arial" panose="020B0604020202020204" pitchFamily="34" charset="0"/>
+                <a:cs typeface="Arial" panose="020B0604020202020204" pitchFamily="34" charset="0"/>
+              </a:rPr>
               <a:t>Action applier.</a:t>
             </a:r>
-            <a:endParaRPr lang="ru-RU" dirty="0"/>
+            <a:endParaRPr lang="ru-RU" dirty="0">
+              <a:latin typeface="Arial" panose="020B0604020202020204" pitchFamily="34" charset="0"/>
+              <a:cs typeface="Arial" panose="020B0604020202020204" pitchFamily="34" charset="0"/>
+            </a:endParaRPr>
           </a:p>
         </p:txBody>
       </p:sp>
@@ -22928,14 +23481,23 @@
           <a:lstStyle/>
           <a:p>
             <a:r>
-              <a:rPr lang="en-US" dirty="0" err="1" smtClean="0"/>
+              <a:rPr lang="en-US" dirty="0" err="1" smtClean="0">
+                <a:latin typeface="Arial" panose="020B0604020202020204" pitchFamily="34" charset="0"/>
+                <a:cs typeface="Arial" panose="020B0604020202020204" pitchFamily="34" charset="0"/>
+              </a:rPr>
               <a:t>Menta</a:t>
             </a:r>
             <a:r>
-              <a:rPr lang="en-US" dirty="0" smtClean="0"/>
+              <a:rPr lang="en-US" dirty="0" smtClean="0">
+                <a:latin typeface="Arial" panose="020B0604020202020204" pitchFamily="34" charset="0"/>
+                <a:cs typeface="Arial" panose="020B0604020202020204" pitchFamily="34" charset="0"/>
+              </a:rPr>
               <a:t> 0.3</a:t>
             </a:r>
-            <a:endParaRPr lang="ru-RU" dirty="0"/>
+            <a:endParaRPr lang="ru-RU" dirty="0">
+              <a:latin typeface="Arial" panose="020B0604020202020204" pitchFamily="34" charset="0"/>
+              <a:cs typeface="Arial" panose="020B0604020202020204" pitchFamily="34" charset="0"/>
+            </a:endParaRPr>
           </a:p>
         </p:txBody>
       </p:sp>
@@ -22955,79 +23517,121 @@
           <a:lstStyle/>
           <a:p>
             <a:r>
-              <a:rPr lang="ru-RU" dirty="0" smtClean="0"/>
+              <a:rPr lang="ru-RU" dirty="0" smtClean="0">
+                <a:latin typeface="Arial" panose="020B0604020202020204" pitchFamily="34" charset="0"/>
+                <a:cs typeface="Arial" panose="020B0604020202020204" pitchFamily="34" charset="0"/>
+              </a:rPr>
               <a:t>Основные компоненты</a:t>
             </a:r>
           </a:p>
           <a:p>
             <a:pPr lvl="1"/>
             <a:r>
-              <a:rPr lang="en-US" sz="2400" dirty="0" err="1" smtClean="0"/>
+              <a:rPr lang="en-US" sz="2400" dirty="0" err="1" smtClean="0">
+                <a:latin typeface="Arial" panose="020B0604020202020204" pitchFamily="34" charset="0"/>
+                <a:cs typeface="Arial" panose="020B0604020202020204" pitchFamily="34" charset="0"/>
+              </a:rPr>
               <a:t>MentaController</a:t>
             </a:r>
             <a:r>
-              <a:rPr lang="en-US" sz="2400" dirty="0" smtClean="0"/>
+              <a:rPr lang="en-US" sz="2400" dirty="0" smtClean="0">
+                <a:latin typeface="Arial" panose="020B0604020202020204" pitchFamily="34" charset="0"/>
+                <a:cs typeface="Arial" panose="020B0604020202020204" pitchFamily="34" charset="0"/>
+              </a:rPr>
               <a:t>;</a:t>
             </a:r>
           </a:p>
           <a:p>
             <a:pPr lvl="1"/>
             <a:r>
-              <a:rPr lang="en-US" sz="2400" dirty="0" err="1" smtClean="0"/>
+              <a:rPr lang="en-US" sz="2400" dirty="0" err="1" smtClean="0">
+                <a:latin typeface="Arial" panose="020B0604020202020204" pitchFamily="34" charset="0"/>
+                <a:cs typeface="Arial" panose="020B0604020202020204" pitchFamily="34" charset="0"/>
+              </a:rPr>
               <a:t>SolutionGenerator</a:t>
             </a:r>
             <a:r>
-              <a:rPr lang="en-US" sz="2400" dirty="0" smtClean="0"/>
+              <a:rPr lang="en-US" sz="2400" dirty="0" smtClean="0">
+                <a:latin typeface="Arial" panose="020B0604020202020204" pitchFamily="34" charset="0"/>
+                <a:cs typeface="Arial" panose="020B0604020202020204" pitchFamily="34" charset="0"/>
+              </a:rPr>
               <a:t>;</a:t>
             </a:r>
           </a:p>
           <a:p>
             <a:pPr lvl="1"/>
             <a:r>
-              <a:rPr lang="en-US" sz="2400" dirty="0" err="1" smtClean="0"/>
+              <a:rPr lang="en-US" sz="2400" dirty="0" err="1" smtClean="0">
+                <a:latin typeface="Arial" panose="020B0604020202020204" pitchFamily="34" charset="0"/>
+                <a:cs typeface="Arial" panose="020B0604020202020204" pitchFamily="34" charset="0"/>
+              </a:rPr>
               <a:t>SolutionChecker</a:t>
             </a:r>
             <a:r>
-              <a:rPr lang="en-US" sz="2400" dirty="0" smtClean="0"/>
+              <a:rPr lang="en-US" sz="2400" dirty="0" smtClean="0">
+                <a:latin typeface="Arial" panose="020B0604020202020204" pitchFamily="34" charset="0"/>
+                <a:cs typeface="Arial" panose="020B0604020202020204" pitchFamily="34" charset="0"/>
+              </a:rPr>
               <a:t>;</a:t>
             </a:r>
           </a:p>
           <a:p>
             <a:pPr lvl="1"/>
             <a:r>
-              <a:rPr lang="en-US" sz="2400" dirty="0" err="1" smtClean="0"/>
+              <a:rPr lang="en-US" sz="2400" dirty="0" err="1" smtClean="0">
+                <a:latin typeface="Arial" panose="020B0604020202020204" pitchFamily="34" charset="0"/>
+                <a:cs typeface="Arial" panose="020B0604020202020204" pitchFamily="34" charset="0"/>
+              </a:rPr>
               <a:t>ReasonAdaper</a:t>
             </a:r>
             <a:r>
-              <a:rPr lang="en-US" sz="2400" dirty="0" smtClean="0"/>
+              <a:rPr lang="en-US" sz="2400" dirty="0" smtClean="0">
+                <a:latin typeface="Arial" panose="020B0604020202020204" pitchFamily="34" charset="0"/>
+                <a:cs typeface="Arial" panose="020B0604020202020204" pitchFamily="34" charset="0"/>
+              </a:rPr>
               <a:t>;</a:t>
             </a:r>
           </a:p>
           <a:p>
             <a:pPr lvl="1"/>
             <a:r>
-              <a:rPr lang="en-US" sz="2400" dirty="0" smtClean="0"/>
+              <a:rPr lang="en-US" sz="2400" dirty="0" smtClean="0">
+                <a:latin typeface="Arial" panose="020B0604020202020204" pitchFamily="34" charset="0"/>
+                <a:cs typeface="Arial" panose="020B0604020202020204" pitchFamily="34" charset="0"/>
+              </a:rPr>
               <a:t>Translator;</a:t>
             </a:r>
           </a:p>
           <a:p>
             <a:pPr lvl="1"/>
             <a:r>
-              <a:rPr lang="en-US" sz="2400" dirty="0" smtClean="0"/>
+              <a:rPr lang="en-US" sz="2400" dirty="0" smtClean="0">
+                <a:latin typeface="Arial" panose="020B0604020202020204" pitchFamily="34" charset="0"/>
+                <a:cs typeface="Arial" panose="020B0604020202020204" pitchFamily="34" charset="0"/>
+              </a:rPr>
               <a:t>Applicator;</a:t>
             </a:r>
           </a:p>
           <a:p>
             <a:pPr lvl="1"/>
             <a:r>
-              <a:rPr lang="en-US" sz="2400" dirty="0" err="1" smtClean="0"/>
+              <a:rPr lang="en-US" sz="2400" dirty="0" err="1" smtClean="0">
+                <a:latin typeface="Arial" panose="020B0604020202020204" pitchFamily="34" charset="0"/>
+                <a:cs typeface="Arial" panose="020B0604020202020204" pitchFamily="34" charset="0"/>
+              </a:rPr>
               <a:t>KBServer</a:t>
             </a:r>
             <a:r>
-              <a:rPr lang="en-US" sz="2400" dirty="0" smtClean="0"/>
+              <a:rPr lang="en-US" sz="2400" dirty="0" smtClean="0">
+                <a:latin typeface="Arial" panose="020B0604020202020204" pitchFamily="34" charset="0"/>
+                <a:cs typeface="Arial" panose="020B0604020202020204" pitchFamily="34" charset="0"/>
+              </a:rPr>
               <a:t>.</a:t>
             </a:r>
-            <a:endParaRPr lang="ru-RU" sz="2400" dirty="0"/>
+            <a:endParaRPr lang="ru-RU" sz="2400" dirty="0">
+              <a:latin typeface="Arial" panose="020B0604020202020204" pitchFamily="34" charset="0"/>
+              <a:cs typeface="Arial" panose="020B0604020202020204" pitchFamily="34" charset="0"/>
+            </a:endParaRPr>
           </a:p>
         </p:txBody>
       </p:sp>
@@ -23086,10 +23690,16 @@
               <a:buNone/>
             </a:pPr>
             <a:r>
-              <a:rPr lang="en-US" dirty="0" smtClean="0"/>
+              <a:rPr lang="en-US" dirty="0" smtClean="0">
+                <a:latin typeface="Arial" panose="020B0604020202020204" pitchFamily="34" charset="0"/>
+                <a:cs typeface="Arial" panose="020B0604020202020204" pitchFamily="34" charset="0"/>
+              </a:rPr>
               <a:t>TU 1.0</a:t>
             </a:r>
-            <a:endParaRPr lang="en" dirty="0"/>
+            <a:endParaRPr lang="en" dirty="0">
+              <a:latin typeface="Arial" panose="020B0604020202020204" pitchFamily="34" charset="0"/>
+              <a:cs typeface="Arial" panose="020B0604020202020204" pitchFamily="34" charset="0"/>
+            </a:endParaRPr>
           </a:p>
         </p:txBody>
       </p:sp>
@@ -24433,58 +25043,94 @@
           <a:lstStyle/>
           <a:p>
             <a:r>
-              <a:rPr lang="en-US" dirty="0" smtClean="0"/>
+              <a:rPr lang="en-US" dirty="0" smtClean="0">
+                <a:latin typeface="Arial" panose="020B0604020202020204" pitchFamily="34" charset="0"/>
+                <a:cs typeface="Arial" panose="020B0604020202020204" pitchFamily="34" charset="0"/>
+              </a:rPr>
               <a:t>TU </a:t>
             </a:r>
             <a:r>
-              <a:rPr lang="en-US" dirty="0" err="1" smtClean="0"/>
+              <a:rPr lang="en-US" dirty="0" err="1" smtClean="0">
+                <a:latin typeface="Arial" panose="020B0604020202020204" pitchFamily="34" charset="0"/>
+                <a:cs typeface="Arial" panose="020B0604020202020204" pitchFamily="34" charset="0"/>
+              </a:rPr>
               <a:t>Webservice</a:t>
             </a:r>
             <a:r>
-              <a:rPr lang="en-US" dirty="0" smtClean="0"/>
+              <a:rPr lang="en-US" dirty="0" smtClean="0">
+                <a:latin typeface="Arial" panose="020B0604020202020204" pitchFamily="34" charset="0"/>
+                <a:cs typeface="Arial" panose="020B0604020202020204" pitchFamily="34" charset="0"/>
+              </a:rPr>
               <a:t>;</a:t>
             </a:r>
           </a:p>
           <a:p>
             <a:r>
-              <a:rPr lang="en-US" dirty="0" err="1" smtClean="0"/>
+              <a:rPr lang="en-US" dirty="0" err="1" smtClean="0">
+                <a:latin typeface="Arial" panose="020B0604020202020204" pitchFamily="34" charset="0"/>
+                <a:cs typeface="Arial" panose="020B0604020202020204" pitchFamily="34" charset="0"/>
+              </a:rPr>
               <a:t>CoreService</a:t>
             </a:r>
             <a:r>
-              <a:rPr lang="en-US" dirty="0" smtClean="0"/>
+              <a:rPr lang="en-US" dirty="0" smtClean="0">
+                <a:latin typeface="Arial" panose="020B0604020202020204" pitchFamily="34" charset="0"/>
+                <a:cs typeface="Arial" panose="020B0604020202020204" pitchFamily="34" charset="0"/>
+              </a:rPr>
               <a:t>;</a:t>
             </a:r>
           </a:p>
           <a:p>
             <a:r>
-              <a:rPr lang="en-US" dirty="0" err="1" smtClean="0"/>
+              <a:rPr lang="en-US" dirty="0" err="1" smtClean="0">
+                <a:latin typeface="Arial" panose="020B0604020202020204" pitchFamily="34" charset="0"/>
+                <a:cs typeface="Arial" panose="020B0604020202020204" pitchFamily="34" charset="0"/>
+              </a:rPr>
               <a:t>DataService</a:t>
             </a:r>
             <a:r>
-              <a:rPr lang="en-US" dirty="0" smtClean="0"/>
+              <a:rPr lang="en-US" dirty="0" smtClean="0">
+                <a:latin typeface="Arial" panose="020B0604020202020204" pitchFamily="34" charset="0"/>
+                <a:cs typeface="Arial" panose="020B0604020202020204" pitchFamily="34" charset="0"/>
+              </a:rPr>
               <a:t>;</a:t>
             </a:r>
           </a:p>
           <a:p>
             <a:r>
-              <a:rPr lang="en-US" dirty="0" err="1" smtClean="0"/>
+              <a:rPr lang="en-US" dirty="0" err="1" smtClean="0">
+                <a:latin typeface="Arial" panose="020B0604020202020204" pitchFamily="34" charset="0"/>
+                <a:cs typeface="Arial" panose="020B0604020202020204" pitchFamily="34" charset="0"/>
+              </a:rPr>
               <a:t>Reasoner</a:t>
             </a:r>
             <a:r>
-              <a:rPr lang="en-US" dirty="0" smtClean="0"/>
+              <a:rPr lang="en-US" dirty="0" smtClean="0">
+                <a:latin typeface="Arial" panose="020B0604020202020204" pitchFamily="34" charset="0"/>
+                <a:cs typeface="Arial" panose="020B0604020202020204" pitchFamily="34" charset="0"/>
+              </a:rPr>
               <a:t>;</a:t>
             </a:r>
           </a:p>
           <a:p>
             <a:r>
-              <a:rPr lang="en-US" dirty="0" err="1" smtClean="0"/>
+              <a:rPr lang="en-US" dirty="0" err="1" smtClean="0">
+                <a:latin typeface="Arial" panose="020B0604020202020204" pitchFamily="34" charset="0"/>
+                <a:cs typeface="Arial" panose="020B0604020202020204" pitchFamily="34" charset="0"/>
+              </a:rPr>
               <a:t>ClientAgent</a:t>
             </a:r>
             <a:r>
-              <a:rPr lang="en-US" dirty="0" smtClean="0"/>
+              <a:rPr lang="en-US" dirty="0" smtClean="0">
+                <a:latin typeface="Arial" panose="020B0604020202020204" pitchFamily="34" charset="0"/>
+                <a:cs typeface="Arial" panose="020B0604020202020204" pitchFamily="34" charset="0"/>
+              </a:rPr>
               <a:t>.</a:t>
             </a:r>
-            <a:endParaRPr lang="ru-RU" dirty="0"/>
+            <a:endParaRPr lang="ru-RU" dirty="0">
+              <a:latin typeface="Arial" panose="020B0604020202020204" pitchFamily="34" charset="0"/>
+              <a:cs typeface="Arial" panose="020B0604020202020204" pitchFamily="34" charset="0"/>
+            </a:endParaRPr>
           </a:p>
         </p:txBody>
       </p:sp>
@@ -26855,51 +27501,81 @@
           <a:lstStyle/>
           <a:p>
             <a:r>
-              <a:rPr lang="en-US" dirty="0" smtClean="0"/>
+              <a:rPr lang="en-US" dirty="0" smtClean="0">
+                <a:latin typeface="Arial" panose="020B0604020202020204" pitchFamily="34" charset="0"/>
+                <a:cs typeface="Arial" panose="020B0604020202020204" pitchFamily="34" charset="0"/>
+              </a:rPr>
               <a:t>Resource</a:t>
             </a:r>
           </a:p>
           <a:p>
             <a:pPr lvl="1"/>
             <a:r>
-              <a:rPr lang="en-US" dirty="0" err="1" smtClean="0"/>
+              <a:rPr lang="en-US" dirty="0" err="1" smtClean="0">
+                <a:latin typeface="Arial" panose="020B0604020202020204" pitchFamily="34" charset="0"/>
+                <a:cs typeface="Arial" panose="020B0604020202020204" pitchFamily="34" charset="0"/>
+              </a:rPr>
               <a:t>KnowledgeURI</a:t>
             </a:r>
-            <a:endParaRPr lang="en-US" dirty="0"/>
-          </a:p>
-          <a:p>
-            <a:r>
-              <a:rPr lang="ru-RU" dirty="0" smtClean="0"/>
+            <a:endParaRPr lang="en-US" dirty="0">
+              <a:latin typeface="Arial" panose="020B0604020202020204" pitchFamily="34" charset="0"/>
+              <a:cs typeface="Arial" panose="020B0604020202020204" pitchFamily="34" charset="0"/>
+            </a:endParaRPr>
+          </a:p>
+          <a:p>
+            <a:r>
+              <a:rPr lang="ru-RU" dirty="0" smtClean="0">
+                <a:latin typeface="Arial" panose="020B0604020202020204" pitchFamily="34" charset="0"/>
+                <a:cs typeface="Arial" panose="020B0604020202020204" pitchFamily="34" charset="0"/>
+              </a:rPr>
               <a:t>Семантическая</a:t>
             </a:r>
           </a:p>
           <a:p>
             <a:pPr lvl="1"/>
             <a:r>
-              <a:rPr lang="ru-RU" dirty="0" smtClean="0"/>
+              <a:rPr lang="ru-RU" dirty="0" smtClean="0">
+                <a:latin typeface="Arial" panose="020B0604020202020204" pitchFamily="34" charset="0"/>
+                <a:cs typeface="Arial" panose="020B0604020202020204" pitchFamily="34" charset="0"/>
+              </a:rPr>
               <a:t>Сеть</a:t>
             </a:r>
           </a:p>
           <a:p>
             <a:r>
-              <a:rPr lang="en-US" dirty="0" smtClean="0"/>
+              <a:rPr lang="en-US" dirty="0" smtClean="0">
+                <a:latin typeface="Arial" panose="020B0604020202020204" pitchFamily="34" charset="0"/>
+                <a:cs typeface="Arial" panose="020B0604020202020204" pitchFamily="34" charset="0"/>
+              </a:rPr>
               <a:t>Rule</a:t>
             </a:r>
           </a:p>
           <a:p>
             <a:r>
-              <a:rPr lang="en-US" dirty="0" err="1" smtClean="0"/>
+              <a:rPr lang="en-US" dirty="0" err="1" smtClean="0">
+                <a:latin typeface="Arial" panose="020B0604020202020204" pitchFamily="34" charset="0"/>
+                <a:cs typeface="Arial" panose="020B0604020202020204" pitchFamily="34" charset="0"/>
+              </a:rPr>
               <a:t>KLines</a:t>
             </a:r>
-            <a:endParaRPr lang="en-US" dirty="0" smtClean="0"/>
-          </a:p>
-          <a:p>
-            <a:r>
-              <a:rPr lang="ru-RU" dirty="0" smtClean="0"/>
+            <a:endParaRPr lang="en-US" dirty="0" smtClean="0">
+              <a:latin typeface="Arial" panose="020B0604020202020204" pitchFamily="34" charset="0"/>
+              <a:cs typeface="Arial" panose="020B0604020202020204" pitchFamily="34" charset="0"/>
+            </a:endParaRPr>
+          </a:p>
+          <a:p>
+            <a:r>
+              <a:rPr lang="ru-RU" dirty="0" smtClean="0">
+                <a:latin typeface="Arial" panose="020B0604020202020204" pitchFamily="34" charset="0"/>
+                <a:cs typeface="Arial" panose="020B0604020202020204" pitchFamily="34" charset="0"/>
+              </a:rPr>
               <a:t>Над</a:t>
             </a:r>
             <a:r>
-              <a:rPr lang="en-US" dirty="0" smtClean="0"/>
+              <a:rPr lang="en-US" dirty="0" smtClean="0">
+                <a:latin typeface="Arial" panose="020B0604020202020204" pitchFamily="34" charset="0"/>
+                <a:cs typeface="Arial" panose="020B0604020202020204" pitchFamily="34" charset="0"/>
+              </a:rPr>
               <a:t> Cypher</a:t>
             </a:r>
           </a:p>
@@ -27808,10 +28484,16 @@
           <a:lstStyle/>
           <a:p>
             <a:r>
-              <a:rPr lang="ru-RU" dirty="0" smtClean="0"/>
+              <a:rPr lang="ru-RU" dirty="0" smtClean="0">
+                <a:latin typeface="Arial" panose="020B0604020202020204" pitchFamily="34" charset="0"/>
+                <a:cs typeface="Arial" panose="020B0604020202020204" pitchFamily="34" charset="0"/>
+              </a:rPr>
               <a:t>Глава 4</a:t>
             </a:r>
-            <a:endParaRPr lang="ru-RU" dirty="0"/>
+            <a:endParaRPr lang="ru-RU" dirty="0">
+              <a:latin typeface="Arial" panose="020B0604020202020204" pitchFamily="34" charset="0"/>
+              <a:cs typeface="Arial" panose="020B0604020202020204" pitchFamily="34" charset="0"/>
+            </a:endParaRPr>
           </a:p>
         </p:txBody>
       </p:sp>
@@ -27832,9 +28514,19 @@
           <a:p>
             <a:r>
               <a:rPr lang="ru-RU" b="1" dirty="0"/>
-              <a:t>Экспериментальные исследования эффективности работы модели TU </a:t>
-            </a:r>
-            <a:endParaRPr lang="ru-RU" dirty="0"/>
+              <a:t>Экспериментальные исследования эффективности работы </a:t>
+            </a:r>
+            <a:r>
+              <a:rPr lang="ru-RU" b="1" dirty="0">
+                <a:latin typeface="Arial" panose="020B0604020202020204" pitchFamily="34" charset="0"/>
+                <a:cs typeface="Arial" panose="020B0604020202020204" pitchFamily="34" charset="0"/>
+              </a:rPr>
+              <a:t>модели TU </a:t>
+            </a:r>
+            <a:endParaRPr lang="ru-RU" dirty="0">
+              <a:latin typeface="Arial" panose="020B0604020202020204" pitchFamily="34" charset="0"/>
+              <a:cs typeface="Arial" panose="020B0604020202020204" pitchFamily="34" charset="0"/>
+            </a:endParaRPr>
           </a:p>
           <a:p>
             <a:endParaRPr lang="ru-RU" dirty="0"/>
@@ -27917,82 +28609,156 @@
           <a:lstStyle/>
           <a:p>
             <a:r>
-              <a:rPr lang="ru-RU" sz="2800" b="1" dirty="0"/>
+              <a:rPr lang="ru-RU" sz="2800" b="1" dirty="0">
+                <a:latin typeface="Arial" panose="020B0604020202020204" pitchFamily="34" charset="0"/>
+                <a:cs typeface="Arial" panose="020B0604020202020204" pitchFamily="34" charset="0"/>
+              </a:rPr>
               <a:t>Предмет </a:t>
             </a:r>
             <a:r>
-              <a:rPr lang="ru-RU" sz="2800" b="1" dirty="0" smtClean="0"/>
+              <a:rPr lang="ru-RU" sz="2800" b="1" dirty="0" smtClean="0">
+                <a:latin typeface="Arial" panose="020B0604020202020204" pitchFamily="34" charset="0"/>
+                <a:cs typeface="Arial" panose="020B0604020202020204" pitchFamily="34" charset="0"/>
+              </a:rPr>
               <a:t>исследования</a:t>
             </a:r>
             <a:r>
-              <a:rPr lang="en-US" sz="2800" dirty="0" smtClean="0"/>
+              <a:rPr lang="en-US" sz="2800" dirty="0" smtClean="0">
+                <a:latin typeface="Arial" panose="020B0604020202020204" pitchFamily="34" charset="0"/>
+                <a:cs typeface="Arial" panose="020B0604020202020204" pitchFamily="34" charset="0"/>
+              </a:rPr>
               <a:t>:</a:t>
             </a:r>
             <a:r>
-              <a:rPr lang="ru-RU" sz="2800" dirty="0" smtClean="0"/>
+              <a:rPr lang="ru-RU" sz="2800" dirty="0" smtClean="0">
+                <a:latin typeface="Arial" panose="020B0604020202020204" pitchFamily="34" charset="0"/>
+                <a:cs typeface="Arial" panose="020B0604020202020204" pitchFamily="34" charset="0"/>
+              </a:rPr>
               <a:t> </a:t>
             </a:r>
             <a:r>
-              <a:rPr lang="ru-RU" sz="2800" dirty="0"/>
+              <a:rPr lang="ru-RU" sz="2800" dirty="0">
+                <a:latin typeface="Arial" panose="020B0604020202020204" pitchFamily="34" charset="0"/>
+                <a:cs typeface="Arial" panose="020B0604020202020204" pitchFamily="34" charset="0"/>
+              </a:rPr>
               <a:t>процесс регистрации и устранения проблемных </a:t>
             </a:r>
             <a:r>
-              <a:rPr lang="ru-RU" sz="2800" dirty="0" smtClean="0"/>
+              <a:rPr lang="ru-RU" sz="2800" dirty="0" smtClean="0">
+                <a:latin typeface="Arial" panose="020B0604020202020204" pitchFamily="34" charset="0"/>
+                <a:cs typeface="Arial" panose="020B0604020202020204" pitchFamily="34" charset="0"/>
+              </a:rPr>
               <a:t>ситуаций, </a:t>
             </a:r>
             <a:r>
-              <a:rPr lang="ru-RU" sz="2800" dirty="0"/>
+              <a:rPr lang="ru-RU" sz="2800" dirty="0">
+                <a:latin typeface="Arial" panose="020B0604020202020204" pitchFamily="34" charset="0"/>
+                <a:cs typeface="Arial" panose="020B0604020202020204" pitchFamily="34" charset="0"/>
+              </a:rPr>
               <a:t>возникающих в IT-инфраструктуре </a:t>
             </a:r>
             <a:r>
-              <a:rPr lang="ru-RU" sz="2800" dirty="0" smtClean="0"/>
+              <a:rPr lang="ru-RU" sz="2800" dirty="0" smtClean="0">
+                <a:latin typeface="Arial" panose="020B0604020202020204" pitchFamily="34" charset="0"/>
+                <a:cs typeface="Arial" panose="020B0604020202020204" pitchFamily="34" charset="0"/>
+              </a:rPr>
               <a:t>предприятия</a:t>
             </a:r>
             <a:r>
-              <a:rPr lang="en-US" sz="2800" dirty="0" smtClean="0"/>
+              <a:rPr lang="en-US" sz="2800" dirty="0" smtClean="0">
+                <a:latin typeface="Arial" panose="020B0604020202020204" pitchFamily="34" charset="0"/>
+                <a:cs typeface="Arial" panose="020B0604020202020204" pitchFamily="34" charset="0"/>
+              </a:rPr>
               <a:t>;</a:t>
             </a:r>
             <a:r>
-              <a:rPr lang="ru-RU" sz="2800" dirty="0" smtClean="0"/>
+              <a:rPr lang="ru-RU" sz="2800" dirty="0" smtClean="0">
+                <a:latin typeface="Arial" panose="020B0604020202020204" pitchFamily="34" charset="0"/>
+                <a:cs typeface="Arial" panose="020B0604020202020204" pitchFamily="34" charset="0"/>
+              </a:rPr>
               <a:t> </a:t>
             </a:r>
-            <a:endParaRPr lang="ru-RU" sz="2800" dirty="0"/>
-          </a:p>
-          <a:p>
-            <a:r>
-              <a:rPr lang="ru-RU" sz="2800" b="1" dirty="0" smtClean="0"/>
+            <a:endParaRPr lang="ru-RU" sz="2800" dirty="0">
+              <a:latin typeface="Arial" panose="020B0604020202020204" pitchFamily="34" charset="0"/>
+              <a:cs typeface="Arial" panose="020B0604020202020204" pitchFamily="34" charset="0"/>
+            </a:endParaRPr>
+          </a:p>
+          <a:p>
+            <a:r>
+              <a:rPr lang="ru-RU" sz="2800" b="1" dirty="0" smtClean="0">
+                <a:latin typeface="Arial" panose="020B0604020202020204" pitchFamily="34" charset="0"/>
+                <a:cs typeface="Arial" panose="020B0604020202020204" pitchFamily="34" charset="0"/>
+              </a:rPr>
               <a:t>Цель исследования</a:t>
             </a:r>
             <a:r>
-              <a:rPr lang="en-US" sz="2800" b="1" dirty="0" smtClean="0"/>
+              <a:rPr lang="en-US" sz="2800" b="1" dirty="0" smtClean="0">
+                <a:latin typeface="Arial" panose="020B0604020202020204" pitchFamily="34" charset="0"/>
+                <a:cs typeface="Arial" panose="020B0604020202020204" pitchFamily="34" charset="0"/>
+              </a:rPr>
               <a:t>:</a:t>
             </a:r>
             <a:r>
-              <a:rPr lang="ru-RU" sz="2800" dirty="0" smtClean="0"/>
+              <a:rPr lang="ru-RU" sz="2800" dirty="0" smtClean="0">
+                <a:latin typeface="Arial" panose="020B0604020202020204" pitchFamily="34" charset="0"/>
+                <a:cs typeface="Arial" panose="020B0604020202020204" pitchFamily="34" charset="0"/>
+              </a:rPr>
               <a:t> </a:t>
             </a:r>
             <a:r>
-              <a:rPr lang="ru-RU" sz="2800" dirty="0"/>
+              <a:rPr lang="ru-RU" sz="2800" dirty="0">
+                <a:latin typeface="Arial" panose="020B0604020202020204" pitchFamily="34" charset="0"/>
+                <a:cs typeface="Arial" panose="020B0604020202020204" pitchFamily="34" charset="0"/>
+              </a:rPr>
               <a:t>диссертации является разработка </a:t>
             </a:r>
             <a:r>
-              <a:rPr lang="ru-RU" sz="2800" dirty="0" err="1"/>
-              <a:t>интеллектуальнои</a:t>
-            </a:r>
-            <a:r>
-              <a:rPr lang="ru-RU" sz="2800" dirty="0"/>
-              <a:t>̆ системы </a:t>
-            </a:r>
-            <a:r>
-              <a:rPr lang="ru-RU" sz="2800" dirty="0" smtClean="0"/>
+              <a:rPr lang="ru-RU" sz="2800" dirty="0" smtClean="0">
+                <a:latin typeface="Arial" panose="020B0604020202020204" pitchFamily="34" charset="0"/>
+                <a:cs typeface="Arial" panose="020B0604020202020204" pitchFamily="34" charset="0"/>
+              </a:rPr>
+              <a:t>интеллектуально</a:t>
+            </a:r>
+            <a:r>
+              <a:rPr lang="ru-RU" sz="2800" dirty="0">
+                <a:latin typeface="Arial" panose="020B0604020202020204" pitchFamily="34" charset="0"/>
+                <a:cs typeface="Arial" panose="020B0604020202020204" pitchFamily="34" charset="0"/>
+              </a:rPr>
+              <a:t>й</a:t>
+            </a:r>
+            <a:r>
+              <a:rPr lang="ru-RU" sz="2800" dirty="0" smtClean="0">
+                <a:latin typeface="Arial" panose="020B0604020202020204" pitchFamily="34" charset="0"/>
+                <a:cs typeface="Arial" panose="020B0604020202020204" pitchFamily="34" charset="0"/>
+              </a:rPr>
+              <a:t> </a:t>
+            </a:r>
+            <a:r>
+              <a:rPr lang="ru-RU" sz="2800" dirty="0">
+                <a:latin typeface="Arial" panose="020B0604020202020204" pitchFamily="34" charset="0"/>
+                <a:cs typeface="Arial" panose="020B0604020202020204" pitchFamily="34" charset="0"/>
+              </a:rPr>
+              <a:t>системы </a:t>
+            </a:r>
+            <a:r>
+              <a:rPr lang="ru-RU" sz="2800" dirty="0" smtClean="0">
+                <a:latin typeface="Arial" panose="020B0604020202020204" pitchFamily="34" charset="0"/>
+                <a:cs typeface="Arial" panose="020B0604020202020204" pitchFamily="34" charset="0"/>
+              </a:rPr>
               <a:t>повышения </a:t>
             </a:r>
             <a:r>
-              <a:rPr lang="ru-RU" sz="2800" dirty="0"/>
+              <a:rPr lang="ru-RU" sz="2800" dirty="0">
+                <a:latin typeface="Arial" panose="020B0604020202020204" pitchFamily="34" charset="0"/>
+                <a:cs typeface="Arial" panose="020B0604020202020204" pitchFamily="34" charset="0"/>
+              </a:rPr>
               <a:t>эффективности деятельности ИТ-службы предприятия (ИТ — </a:t>
             </a:r>
             <a:r>
-              <a:rPr lang="ru-RU" sz="2800" dirty="0" smtClean="0"/>
+              <a:rPr lang="ru-RU" sz="2800" dirty="0" smtClean="0">
+                <a:latin typeface="Arial" panose="020B0604020202020204" pitchFamily="34" charset="0"/>
+                <a:cs typeface="Arial" panose="020B0604020202020204" pitchFamily="34" charset="0"/>
+              </a:rPr>
               <a:t>информационные </a:t>
             </a:r>
             <a:r>
@@ -32900,50 +33666,83 @@
           <a:lstStyle/>
           <a:p>
             <a:r>
-              <a:rPr lang="en-US" dirty="0" smtClean="0"/>
+              <a:rPr lang="en-US" dirty="0" smtClean="0">
+                <a:latin typeface="Arial" panose="020B0604020202020204" pitchFamily="34" charset="0"/>
+                <a:cs typeface="Arial" panose="020B0604020202020204" pitchFamily="34" charset="0"/>
+              </a:rPr>
               <a:t>Java 1.</a:t>
             </a:r>
             <a:r>
-              <a:rPr lang="ru-RU" dirty="0" smtClean="0"/>
+              <a:rPr lang="ru-RU" dirty="0" smtClean="0">
+                <a:latin typeface="Arial" panose="020B0604020202020204" pitchFamily="34" charset="0"/>
+                <a:cs typeface="Arial" panose="020B0604020202020204" pitchFamily="34" charset="0"/>
+              </a:rPr>
               <a:t>8</a:t>
             </a:r>
-            <a:endParaRPr lang="en-US" dirty="0" smtClean="0"/>
-          </a:p>
-          <a:p>
-            <a:r>
-              <a:rPr lang="en-US" dirty="0" smtClean="0"/>
+            <a:endParaRPr lang="en-US" dirty="0" smtClean="0">
+              <a:latin typeface="Arial" panose="020B0604020202020204" pitchFamily="34" charset="0"/>
+              <a:cs typeface="Arial" panose="020B0604020202020204" pitchFamily="34" charset="0"/>
+            </a:endParaRPr>
+          </a:p>
+          <a:p>
+            <a:r>
+              <a:rPr lang="en-US" dirty="0" smtClean="0">
+                <a:latin typeface="Arial" panose="020B0604020202020204" pitchFamily="34" charset="0"/>
+                <a:cs typeface="Arial" panose="020B0604020202020204" pitchFamily="34" charset="0"/>
+              </a:rPr>
               <a:t>C++</a:t>
             </a:r>
           </a:p>
           <a:p>
             <a:r>
-              <a:rPr lang="en-US" dirty="0" smtClean="0"/>
+              <a:rPr lang="en-US" dirty="0" smtClean="0">
+                <a:latin typeface="Arial" panose="020B0604020202020204" pitchFamily="34" charset="0"/>
+                <a:cs typeface="Arial" panose="020B0604020202020204" pitchFamily="34" charset="0"/>
+              </a:rPr>
               <a:t>C--</a:t>
             </a:r>
           </a:p>
           <a:p>
             <a:r>
-              <a:rPr lang="en-US" dirty="0" err="1" smtClean="0"/>
+              <a:rPr lang="en-US" dirty="0" err="1" smtClean="0">
+                <a:latin typeface="Arial" panose="020B0604020202020204" pitchFamily="34" charset="0"/>
+                <a:cs typeface="Arial" panose="020B0604020202020204" pitchFamily="34" charset="0"/>
+              </a:rPr>
               <a:t>RelEx</a:t>
             </a:r>
-            <a:endParaRPr lang="en-US" dirty="0" smtClean="0"/>
-          </a:p>
-          <a:p>
-            <a:r>
-              <a:rPr lang="en-US" dirty="0" smtClean="0"/>
+            <a:endParaRPr lang="en-US" dirty="0" smtClean="0">
+              <a:latin typeface="Arial" panose="020B0604020202020204" pitchFamily="34" charset="0"/>
+              <a:cs typeface="Arial" panose="020B0604020202020204" pitchFamily="34" charset="0"/>
+            </a:endParaRPr>
+          </a:p>
+          <a:p>
+            <a:r>
+              <a:rPr lang="en-US" dirty="0" smtClean="0">
+                <a:latin typeface="Arial" panose="020B0604020202020204" pitchFamily="34" charset="0"/>
+                <a:cs typeface="Arial" panose="020B0604020202020204" pitchFamily="34" charset="0"/>
+              </a:rPr>
               <a:t>Scala</a:t>
             </a:r>
           </a:p>
           <a:p>
             <a:r>
-              <a:rPr lang="en-US" dirty="0" err="1" smtClean="0"/>
+              <a:rPr lang="en-US" dirty="0" err="1" smtClean="0">
+                <a:latin typeface="Arial" panose="020B0604020202020204" pitchFamily="34" charset="0"/>
+                <a:cs typeface="Arial" panose="020B0604020202020204" pitchFamily="34" charset="0"/>
+              </a:rPr>
               <a:t>IntelliJIdea</a:t>
             </a:r>
-            <a:endParaRPr lang="en-US" dirty="0" smtClean="0"/>
-          </a:p>
-          <a:p>
-            <a:r>
-              <a:rPr lang="en-US" dirty="0" smtClean="0"/>
+            <a:endParaRPr lang="en-US" dirty="0" smtClean="0">
+              <a:latin typeface="Arial" panose="020B0604020202020204" pitchFamily="34" charset="0"/>
+              <a:cs typeface="Arial" panose="020B0604020202020204" pitchFamily="34" charset="0"/>
+            </a:endParaRPr>
+          </a:p>
+          <a:p>
+            <a:r>
+              <a:rPr lang="en-US" dirty="0" smtClean="0">
+                <a:latin typeface="Arial" panose="020B0604020202020204" pitchFamily="34" charset="0"/>
+                <a:cs typeface="Arial" panose="020B0604020202020204" pitchFamily="34" charset="0"/>
+              </a:rPr>
               <a:t>Apache CXF</a:t>
             </a:r>
           </a:p>
@@ -32973,27 +33772,45 @@
           <a:lstStyle/>
           <a:p>
             <a:r>
-              <a:rPr lang="en-US" dirty="0" smtClean="0"/>
+              <a:rPr lang="en-US" dirty="0" smtClean="0">
+                <a:latin typeface="Arial" panose="020B0604020202020204" pitchFamily="34" charset="0"/>
+                <a:cs typeface="Arial" panose="020B0604020202020204" pitchFamily="34" charset="0"/>
+              </a:rPr>
               <a:t>Slf4j, log4j</a:t>
             </a:r>
           </a:p>
           <a:p>
             <a:r>
-              <a:rPr lang="en-US" dirty="0" smtClean="0"/>
+              <a:rPr lang="en-US" dirty="0" smtClean="0">
+                <a:latin typeface="Arial" panose="020B0604020202020204" pitchFamily="34" charset="0"/>
+                <a:cs typeface="Arial" panose="020B0604020202020204" pitchFamily="34" charset="0"/>
+              </a:rPr>
               <a:t>Ubuntu, </a:t>
             </a:r>
             <a:r>
-              <a:rPr lang="en-US" dirty="0" err="1" smtClean="0"/>
+              <a:rPr lang="en-US" dirty="0" err="1" smtClean="0">
+                <a:latin typeface="Arial" panose="020B0604020202020204" pitchFamily="34" charset="0"/>
+                <a:cs typeface="Arial" panose="020B0604020202020204" pitchFamily="34" charset="0"/>
+              </a:rPr>
               <a:t>Cogbuntu</a:t>
             </a:r>
-            <a:endParaRPr lang="en-US" dirty="0" smtClean="0"/>
-          </a:p>
-          <a:p>
-            <a:r>
-              <a:rPr lang="en-US" dirty="0" err="1" smtClean="0"/>
+            <a:endParaRPr lang="en-US" dirty="0" smtClean="0">
+              <a:latin typeface="Arial" panose="020B0604020202020204" pitchFamily="34" charset="0"/>
+              <a:cs typeface="Arial" panose="020B0604020202020204" pitchFamily="34" charset="0"/>
+            </a:endParaRPr>
+          </a:p>
+          <a:p>
+            <a:r>
+              <a:rPr lang="en-US" dirty="0" err="1" smtClean="0">
+                <a:latin typeface="Arial" panose="020B0604020202020204" pitchFamily="34" charset="0"/>
+                <a:cs typeface="Arial" panose="020B0604020202020204" pitchFamily="34" charset="0"/>
+              </a:rPr>
               <a:t>OpenCog</a:t>
             </a:r>
-            <a:endParaRPr lang="en-US" dirty="0"/>
+            <a:endParaRPr lang="en-US" dirty="0">
+              <a:latin typeface="Arial" panose="020B0604020202020204" pitchFamily="34" charset="0"/>
+              <a:cs typeface="Arial" panose="020B0604020202020204" pitchFamily="34" charset="0"/>
+            </a:endParaRPr>
           </a:p>
           <a:p>
             <a:endParaRPr lang="ru-RU" dirty="0"/>
@@ -33140,26 +33957,44 @@
           <a:lstStyle/>
           <a:p>
             <a:r>
-              <a:rPr lang="ru-RU" b="1" dirty="0" smtClean="0"/>
+              <a:rPr lang="ru-RU" b="1" dirty="0" smtClean="0">
+                <a:latin typeface="Arial" panose="020B0604020202020204" pitchFamily="34" charset="0"/>
+                <a:cs typeface="Arial" panose="020B0604020202020204" pitchFamily="34" charset="0"/>
+              </a:rPr>
               <a:t>Актуальность</a:t>
             </a:r>
             <a:r>
-              <a:rPr lang="ru-RU" dirty="0" smtClean="0"/>
+              <a:rPr lang="ru-RU" dirty="0" smtClean="0">
+                <a:latin typeface="Arial" panose="020B0604020202020204" pitchFamily="34" charset="0"/>
+                <a:cs typeface="Arial" panose="020B0604020202020204" pitchFamily="34" charset="0"/>
+              </a:rPr>
               <a:t> </a:t>
             </a:r>
             <a:r>
-              <a:rPr lang="ru-RU" dirty="0"/>
+              <a:rPr lang="ru-RU" dirty="0">
+                <a:latin typeface="Arial" panose="020B0604020202020204" pitchFamily="34" charset="0"/>
+                <a:cs typeface="Arial" panose="020B0604020202020204" pitchFamily="34" charset="0"/>
+              </a:rPr>
               <a:t>определяется потребностью предприятий IT-отрасли в интеллектуальных системах, повышающих эффективность служб, поддерживающих IT-инфраструктуру </a:t>
             </a:r>
             <a:r>
-              <a:rPr lang="ru-RU" dirty="0" smtClean="0"/>
+              <a:rPr lang="ru-RU" dirty="0" smtClean="0">
+                <a:latin typeface="Arial" panose="020B0604020202020204" pitchFamily="34" charset="0"/>
+                <a:cs typeface="Arial" panose="020B0604020202020204" pitchFamily="34" charset="0"/>
+              </a:rPr>
               <a:t>этих предприятий</a:t>
             </a:r>
             <a:r>
-              <a:rPr lang="en-US" dirty="0" smtClean="0"/>
+              <a:rPr lang="en-US" dirty="0" smtClean="0">
+                <a:latin typeface="Arial" panose="020B0604020202020204" pitchFamily="34" charset="0"/>
+                <a:cs typeface="Arial" panose="020B0604020202020204" pitchFamily="34" charset="0"/>
+              </a:rPr>
               <a:t>.</a:t>
             </a:r>
-            <a:endParaRPr lang="ru-RU" dirty="0"/>
+            <a:endParaRPr lang="ru-RU" dirty="0">
+              <a:latin typeface="Arial" panose="020B0604020202020204" pitchFamily="34" charset="0"/>
+              <a:cs typeface="Arial" panose="020B0604020202020204" pitchFamily="34" charset="0"/>
+            </a:endParaRPr>
           </a:p>
           <a:p>
             <a:endParaRPr lang="ru-RU" dirty="0"/>
@@ -33212,30 +34047,51 @@
           <a:lstStyle/>
           <a:p>
             <a:r>
-              <a:rPr lang="ru-RU" dirty="0" smtClean="0"/>
+              <a:rPr lang="ru-RU" dirty="0" smtClean="0">
+                <a:latin typeface="Arial" panose="020B0604020202020204" pitchFamily="34" charset="0"/>
+                <a:cs typeface="Arial" panose="020B0604020202020204" pitchFamily="34" charset="0"/>
+              </a:rPr>
               <a:t>Почему </a:t>
             </a:r>
             <a:r>
-              <a:rPr lang="ru-RU" dirty="0" err="1" smtClean="0"/>
+              <a:rPr lang="ru-RU" dirty="0" err="1" smtClean="0">
+                <a:latin typeface="Arial" panose="020B0604020202020204" pitchFamily="34" charset="0"/>
+                <a:cs typeface="Arial" panose="020B0604020202020204" pitchFamily="34" charset="0"/>
+              </a:rPr>
               <a:t>физ</a:t>
             </a:r>
             <a:r>
-              <a:rPr lang="en-US" dirty="0" smtClean="0"/>
+              <a:rPr lang="en-US" dirty="0" smtClean="0">
+                <a:latin typeface="Arial" panose="020B0604020202020204" pitchFamily="34" charset="0"/>
+                <a:cs typeface="Arial" panose="020B0604020202020204" pitchFamily="34" charset="0"/>
+              </a:rPr>
               <a:t>.</a:t>
             </a:r>
             <a:r>
-              <a:rPr lang="ru-RU" dirty="0" smtClean="0"/>
+              <a:rPr lang="ru-RU" dirty="0" smtClean="0">
+                <a:latin typeface="Arial" panose="020B0604020202020204" pitchFamily="34" charset="0"/>
+                <a:cs typeface="Arial" panose="020B0604020202020204" pitchFamily="34" charset="0"/>
+              </a:rPr>
               <a:t>-мат</a:t>
             </a:r>
             <a:r>
-              <a:rPr lang="en-US" dirty="0" smtClean="0"/>
+              <a:rPr lang="en-US" dirty="0" smtClean="0">
+                <a:latin typeface="Arial" panose="020B0604020202020204" pitchFamily="34" charset="0"/>
+                <a:cs typeface="Arial" panose="020B0604020202020204" pitchFamily="34" charset="0"/>
+              </a:rPr>
               <a:t>.</a:t>
             </a:r>
             <a:r>
-              <a:rPr lang="ru-RU" dirty="0" smtClean="0"/>
+              <a:rPr lang="ru-RU" dirty="0" smtClean="0">
+                <a:latin typeface="Arial" panose="020B0604020202020204" pitchFamily="34" charset="0"/>
+                <a:cs typeface="Arial" panose="020B0604020202020204" pitchFamily="34" charset="0"/>
+              </a:rPr>
               <a:t>?</a:t>
             </a:r>
-            <a:endParaRPr lang="ru-RU" dirty="0"/>
+            <a:endParaRPr lang="ru-RU" dirty="0">
+              <a:latin typeface="Arial" panose="020B0604020202020204" pitchFamily="34" charset="0"/>
+              <a:cs typeface="Arial" panose="020B0604020202020204" pitchFamily="34" charset="0"/>
+            </a:endParaRPr>
           </a:p>
         </p:txBody>
       </p:sp>
@@ -33355,7 +34211,14 @@
             </a:r>
             <a:r>
               <a:rPr lang="ru-RU" dirty="0"/>
-              <a:t>разработка методов и алгоритмов решения задач системного анализа, оптимизации, управления, принятия решений и обработки информации в IT-отрасли </a:t>
+              <a:t>разработка методов и </a:t>
+            </a:r>
+            <a:r>
+              <a:rPr lang="ru-RU" dirty="0">
+                <a:latin typeface="Arial" panose="020B0604020202020204" pitchFamily="34" charset="0"/>
+                <a:cs typeface="Arial" panose="020B0604020202020204" pitchFamily="34" charset="0"/>
+              </a:rPr>
+              <a:t>алгоритмов решения задач системного анализа, оптимизации, управления, принятия решений и обработки информации в IT-отрасли </a:t>
             </a:r>
           </a:p>
           <a:p>

--- a/Disser/Presentation/DUBNAPresentationX-short.pptx
+++ b/Disser/Presentation/DUBNAPresentationX-short.pptx
@@ -2674,7 +2674,7 @@
             <a:fld id="{8498BBCD-A9EC-4E07-A698-E7B8B2576754}" type="datetimeFigureOut">
               <a:rPr lang="ru-RU" smtClean="0"/>
               <a:pPr/>
-              <a:t>20.04.2016</a:t>
+              <a:t>19.05.16</a:t>
             </a:fld>
             <a:endParaRPr lang="ru-RU"/>
           </a:p>
@@ -12295,7 +12295,7 @@
             <a:fld id="{1D8BD707-D9CF-40AE-B4C6-C98DA3205C09}" type="datetimeFigureOut">
               <a:rPr lang="en-US" smtClean="0"/>
               <a:pPr/>
-              <a:t>4/20/2016</a:t>
+              <a:t>5/19/16</a:t>
             </a:fld>
             <a:endParaRPr lang="en-US"/>
           </a:p>
@@ -12615,7 +12615,7 @@
             <a:fld id="{1D8BD707-D9CF-40AE-B4C6-C98DA3205C09}" type="datetimeFigureOut">
               <a:rPr lang="en-US" smtClean="0"/>
               <a:pPr/>
-              <a:t>4/20/2016</a:t>
+              <a:t>5/19/16</a:t>
             </a:fld>
             <a:endParaRPr lang="en-US"/>
           </a:p>
@@ -12965,7 +12965,7 @@
             <a:fld id="{1D8BD707-D9CF-40AE-B4C6-C98DA3205C09}" type="datetimeFigureOut">
               <a:rPr lang="en-US" smtClean="0"/>
               <a:pPr/>
-              <a:t>4/20/2016</a:t>
+              <a:t>5/19/16</a:t>
             </a:fld>
             <a:endParaRPr lang="en-US"/>
           </a:p>
@@ -13891,7 +13891,7 @@
             <a:fld id="{1D8BD707-D9CF-40AE-B4C6-C98DA3205C09}" type="datetimeFigureOut">
               <a:rPr lang="en-US" smtClean="0"/>
               <a:pPr/>
-              <a:t>4/20/2016</a:t>
+              <a:t>5/19/16</a:t>
             </a:fld>
             <a:endParaRPr lang="en-US" dirty="0"/>
           </a:p>
@@ -14297,7 +14297,7 @@
             <a:fld id="{1D8BD707-D9CF-40AE-B4C6-C98DA3205C09}" type="datetimeFigureOut">
               <a:rPr lang="en-US" smtClean="0"/>
               <a:pPr/>
-              <a:t>4/20/2016</a:t>
+              <a:t>5/19/16</a:t>
             </a:fld>
             <a:endParaRPr lang="en-US"/>
           </a:p>
@@ -14683,7 +14683,7 @@
             <a:fld id="{1D8BD707-D9CF-40AE-B4C6-C98DA3205C09}" type="datetimeFigureOut">
               <a:rPr lang="en-US" smtClean="0"/>
               <a:pPr/>
-              <a:t>4/20/2016</a:t>
+              <a:t>5/19/16</a:t>
             </a:fld>
             <a:endParaRPr lang="en-US"/>
           </a:p>
@@ -15165,7 +15165,7 @@
             <a:fld id="{1D8BD707-D9CF-40AE-B4C6-C98DA3205C09}" type="datetimeFigureOut">
               <a:rPr lang="en-US" smtClean="0"/>
               <a:pPr/>
-              <a:t>4/20/2016</a:t>
+              <a:t>5/19/16</a:t>
             </a:fld>
             <a:endParaRPr lang="en-US"/>
           </a:p>
@@ -15741,7 +15741,7 @@
             <a:fld id="{1D8BD707-D9CF-40AE-B4C6-C98DA3205C09}" type="datetimeFigureOut">
               <a:rPr lang="en-US" smtClean="0"/>
               <a:pPr/>
-              <a:t>4/20/2016</a:t>
+              <a:t>5/19/16</a:t>
             </a:fld>
             <a:endParaRPr lang="en-US"/>
           </a:p>
@@ -15970,7 +15970,7 @@
             <a:fld id="{1D8BD707-D9CF-40AE-B4C6-C98DA3205C09}" type="datetimeFigureOut">
               <a:rPr lang="en-US" smtClean="0"/>
               <a:pPr/>
-              <a:t>4/20/2016</a:t>
+              <a:t>5/19/16</a:t>
             </a:fld>
             <a:endParaRPr lang="en-US"/>
           </a:p>
@@ -16390,7 +16390,7 @@
             <a:fld id="{1D8BD707-D9CF-40AE-B4C6-C98DA3205C09}" type="datetimeFigureOut">
               <a:rPr lang="en-US" smtClean="0"/>
               <a:pPr/>
-              <a:t>4/20/2016</a:t>
+              <a:t>5/19/16</a:t>
             </a:fld>
             <a:endParaRPr lang="en-US"/>
           </a:p>
@@ -17040,7 +17040,12 @@
             <p:ph type="ctrTitle"/>
           </p:nvPr>
         </p:nvSpPr>
-        <p:spPr/>
+        <p:spPr>
+          <a:xfrm>
+            <a:off x="631493" y="1812131"/>
+            <a:ext cx="7920000" cy="1102519"/>
+          </a:xfrm>
+        </p:spPr>
         <p:txBody>
           <a:bodyPr/>
           <a:lstStyle/>
@@ -17075,8 +17080,12 @@
           <a:lstStyle/>
           <a:p>
             <a:r>
+              <a:rPr lang="ru-RU" b="1" dirty="0" smtClean="0"/>
+              <a:t>ИНТЕЛЛЕКТУАЛЬНАЯ </a:t>
+            </a:r>
+            <a:r>
               <a:rPr lang="ru-RU" b="1" dirty="0"/>
-              <a:t>АВТОМАТИЗИРОВАННАЯ ИНТЕЛЛЕКТУАЛЬНАЯ СИСТЕМА ПОВЫШЕНИЯ ЭФФЕКТИВНОСТИ ИТ-СЛУЖБЫ ПРЕДПРИЯТИЯ </a:t>
+              <a:t>СИСТЕМА ПОВЫШЕНИЯ ЭФФЕКТИВНОСТИ ИТ-СЛУЖБЫ ПРЕДПРИЯТИЯ </a:t>
             </a:r>
             <a:endParaRPr lang="ru-RU" dirty="0"/>
           </a:p>
@@ -17219,6 +17228,13 @@
   <p:clrMapOvr>
     <a:masterClrMapping/>
   </p:clrMapOvr>
+  <p:timing>
+    <p:tnLst>
+      <p:par>
+        <p:cTn id="1" dur="indefinite" restart="never" nodeType="tmRoot"/>
+      </p:par>
+    </p:tnLst>
+  </p:timing>
 </p:sld>
 </file>
 
@@ -17499,6 +17515,13 @@
   <p:clrMapOvr>
     <a:masterClrMapping/>
   </p:clrMapOvr>
+  <p:timing>
+    <p:tnLst>
+      <p:par>
+        <p:cTn id="1" dur="indefinite" restart="never" nodeType="tmRoot"/>
+      </p:par>
+    </p:tnLst>
+  </p:timing>
 </p:sld>
 </file>
 
@@ -17817,6 +17840,13 @@
   <p:clrMapOvr>
     <a:masterClrMapping/>
   </p:clrMapOvr>
+  <p:timing>
+    <p:tnLst>
+      <p:par>
+        <p:cTn id="1" dur="indefinite" restart="never" nodeType="tmRoot"/>
+      </p:par>
+    </p:tnLst>
+  </p:timing>
 </p:sld>
 </file>
 
@@ -18158,6 +18188,13 @@
   <p:clrMapOvr>
     <a:masterClrMapping/>
   </p:clrMapOvr>
+  <p:timing>
+    <p:tnLst>
+      <p:par>
+        <p:cTn id="1" dur="indefinite" restart="never" nodeType="tmRoot"/>
+      </p:par>
+    </p:tnLst>
+  </p:timing>
 </p:sld>
 </file>
 
@@ -18514,6 +18551,13 @@
   <p:clrMapOvr>
     <a:masterClrMapping/>
   </p:clrMapOvr>
+  <p:timing>
+    <p:tnLst>
+      <p:par>
+        <p:cTn id="1" dur="indefinite" restart="never" nodeType="tmRoot"/>
+      </p:par>
+    </p:tnLst>
+  </p:timing>
 </p:sld>
 </file>
 
@@ -18636,6 +18680,13 @@
   <p:clrMapOvr>
     <a:masterClrMapping/>
   </p:clrMapOvr>
+  <p:timing>
+    <p:tnLst>
+      <p:par>
+        <p:cTn id="1" dur="indefinite" restart="never" nodeType="tmRoot"/>
+      </p:par>
+    </p:tnLst>
+  </p:timing>
 </p:sld>
 </file>
 
@@ -18817,6 +18868,13 @@
   <p:clrMapOvr>
     <a:masterClrMapping/>
   </p:clrMapOvr>
+  <p:timing>
+    <p:tnLst>
+      <p:par>
+        <p:cTn id="1" dur="indefinite" restart="never" nodeType="tmRoot"/>
+      </p:par>
+    </p:tnLst>
+  </p:timing>
 </p:sld>
 </file>
 
@@ -18957,6 +19015,13 @@
   <p:clrMapOvr>
     <a:masterClrMapping/>
   </p:clrMapOvr>
+  <p:timing>
+    <p:tnLst>
+      <p:par>
+        <p:cTn id="1" dur="indefinite" restart="never" nodeType="tmRoot"/>
+      </p:par>
+    </p:tnLst>
+  </p:timing>
 </p:sld>
 </file>
 
@@ -19096,6 +19161,13 @@
   <p:clrMapOvr>
     <a:masterClrMapping/>
   </p:clrMapOvr>
+  <p:timing>
+    <p:tnLst>
+      <p:par>
+        <p:cTn id="1" dur="indefinite" restart="never" nodeType="tmRoot"/>
+      </p:par>
+    </p:tnLst>
+  </p:timing>
 </p:sld>
 </file>
 
@@ -19194,6 +19266,13 @@
   <p:clrMapOvr>
     <a:masterClrMapping/>
   </p:clrMapOvr>
+  <p:timing>
+    <p:tnLst>
+      <p:par>
+        <p:cTn id="1" dur="indefinite" restart="never" nodeType="tmRoot"/>
+      </p:par>
+    </p:tnLst>
+  </p:timing>
 </p:sld>
 </file>
 
@@ -19637,6 +19716,13 @@
   <p:clrMapOvr>
     <a:masterClrMapping/>
   </p:clrMapOvr>
+  <p:timing>
+    <p:tnLst>
+      <p:par>
+        <p:cTn id="1" dur="indefinite" restart="never" nodeType="tmRoot"/>
+      </p:par>
+    </p:tnLst>
+  </p:timing>
 </p:sld>
 </file>
 
@@ -19910,6 +19996,13 @@
   <p:clrMapOvr>
     <a:masterClrMapping/>
   </p:clrMapOvr>
+  <p:timing>
+    <p:tnLst>
+      <p:par>
+        <p:cTn id="1" dur="indefinite" restart="never" nodeType="tmRoot"/>
+      </p:par>
+    </p:tnLst>
+  </p:timing>
 </p:sld>
 </file>
 
@@ -19989,6 +20082,13 @@
   <p:clrMapOvr>
     <a:masterClrMapping/>
   </p:clrMapOvr>
+  <p:timing>
+    <p:tnLst>
+      <p:par>
+        <p:cTn id="1" dur="indefinite" restart="never" nodeType="tmRoot"/>
+      </p:par>
+    </p:tnLst>
+  </p:timing>
 </p:sld>
 </file>
 
@@ -20071,6 +20171,13 @@
   <p:clrMapOvr>
     <a:masterClrMapping/>
   </p:clrMapOvr>
+  <p:timing>
+    <p:tnLst>
+      <p:par>
+        <p:cTn id="1" dur="indefinite" restart="never" nodeType="tmRoot"/>
+      </p:par>
+    </p:tnLst>
+  </p:timing>
 </p:sld>
 </file>
 
@@ -22933,6 +23040,13 @@
   <p:clrMapOvr>
     <a:masterClrMapping/>
   </p:clrMapOvr>
+  <p:timing>
+    <p:tnLst>
+      <p:par>
+        <p:cTn id="1" dur="indefinite" restart="never" nodeType="tmRoot"/>
+      </p:par>
+    </p:tnLst>
+  </p:timing>
 </p:sld>
 </file>
 
@@ -23012,6 +23126,13 @@
   <p:clrMapOvr>
     <a:masterClrMapping/>
   </p:clrMapOvr>
+  <p:timing>
+    <p:tnLst>
+      <p:par>
+        <p:cTn id="1" dur="indefinite" restart="never" nodeType="tmRoot"/>
+      </p:par>
+    </p:tnLst>
+  </p:timing>
 </p:sld>
 </file>
 
@@ -23127,6 +23248,13 @@
   <p:clrMapOvr>
     <a:masterClrMapping/>
   </p:clrMapOvr>
+  <p:timing>
+    <p:tnLst>
+      <p:par>
+        <p:cTn id="1" dur="indefinite" restart="never" nodeType="tmRoot"/>
+      </p:par>
+    </p:tnLst>
+  </p:timing>
 </p:sld>
 </file>
 
@@ -23253,6 +23381,13 @@
   <p:clrMapOvr>
     <a:masterClrMapping/>
   </p:clrMapOvr>
+  <p:timing>
+    <p:tnLst>
+      <p:par>
+        <p:cTn id="1" dur="indefinite" restart="never" nodeType="tmRoot"/>
+      </p:par>
+    </p:tnLst>
+  </p:timing>
 </p:sld>
 </file>
 
@@ -23335,6 +23470,13 @@
   <p:clrMapOvr>
     <a:masterClrMapping/>
   </p:clrMapOvr>
+  <p:timing>
+    <p:tnLst>
+      <p:par>
+        <p:cTn id="1" dur="indefinite" restart="never" nodeType="tmRoot"/>
+      </p:par>
+    </p:tnLst>
+  </p:timing>
 </p:sld>
 </file>
 
@@ -23645,6 +23787,13 @@
   <p:clrMapOvr>
     <a:masterClrMapping/>
   </p:clrMapOvr>
+  <p:timing>
+    <p:tnLst>
+      <p:par>
+        <p:cTn id="1" dur="indefinite" restart="never" nodeType="tmRoot"/>
+      </p:par>
+    </p:tnLst>
+  </p:timing>
 </p:sld>
 </file>
 
@@ -24984,6 +25133,13 @@
   <p:clrMapOvr>
     <a:masterClrMapping/>
   </p:clrMapOvr>
+  <p:timing>
+    <p:tnLst>
+      <p:par>
+        <p:cTn id="1" dur="indefinite" restart="never" nodeType="tmRoot"/>
+      </p:par>
+    </p:tnLst>
+  </p:timing>
 </p:sld>
 </file>
 
@@ -25144,6 +25300,13 @@
   <p:clrMapOvr>
     <a:masterClrMapping/>
   </p:clrMapOvr>
+  <p:timing>
+    <p:tnLst>
+      <p:par>
+        <p:cTn id="1" dur="indefinite" restart="never" nodeType="tmRoot"/>
+      </p:par>
+    </p:tnLst>
+  </p:timing>
 </p:sld>
 </file>
 
@@ -28543,6 +28706,13 @@
   <p:clrMapOvr>
     <a:masterClrMapping/>
   </p:clrMapOvr>
+  <p:timing>
+    <p:tnLst>
+      <p:par>
+        <p:cTn id="1" dur="indefinite" restart="never" nodeType="tmRoot"/>
+      </p:par>
+    </p:tnLst>
+  </p:timing>
 </p:sld>
 </file>
 
@@ -28794,6 +28964,13 @@
   <p:clrMapOvr>
     <a:masterClrMapping/>
   </p:clrMapOvr>
+  <p:timing>
+    <p:tnLst>
+      <p:par>
+        <p:cTn id="1" dur="indefinite" restart="never" nodeType="tmRoot"/>
+      </p:par>
+    </p:tnLst>
+  </p:timing>
 </p:sld>
 </file>
 
@@ -30141,6 +30318,13 @@
   <p:clrMapOvr>
     <a:masterClrMapping/>
   </p:clrMapOvr>
+  <p:timing>
+    <p:tnLst>
+      <p:par>
+        <p:cTn id="1" dur="indefinite" restart="never" nodeType="tmRoot"/>
+      </p:par>
+    </p:tnLst>
+  </p:timing>
 </p:sld>
 </file>
 
@@ -31874,6 +32058,13 @@
   <p:clrMapOvr>
     <a:masterClrMapping/>
   </p:clrMapOvr>
+  <p:timing>
+    <p:tnLst>
+      <p:par>
+        <p:cTn id="1" dur="indefinite" restart="never" nodeType="tmRoot"/>
+      </p:par>
+    </p:tnLst>
+  </p:timing>
 </p:sld>
 </file>
 
@@ -33034,6 +33225,13 @@
   <p:clrMapOvr>
     <a:masterClrMapping/>
   </p:clrMapOvr>
+  <p:timing>
+    <p:tnLst>
+      <p:par>
+        <p:cTn id="1" dur="indefinite" restart="never" nodeType="tmRoot"/>
+      </p:par>
+    </p:tnLst>
+  </p:timing>
 </p:sld>
 </file>
 
@@ -33110,6 +33308,13 @@
   <p:clrMapOvr>
     <a:masterClrMapping/>
   </p:clrMapOvr>
+  <p:timing>
+    <p:tnLst>
+      <p:par>
+        <p:cTn id="1" dur="indefinite" restart="never" nodeType="tmRoot"/>
+      </p:par>
+    </p:tnLst>
+  </p:timing>
 </p:sld>
 </file>
 
@@ -34011,6 +34216,13 @@
   <p:clrMapOvr>
     <a:masterClrMapping/>
   </p:clrMapOvr>
+  <p:timing>
+    <p:tnLst>
+      <p:par>
+        <p:cTn id="1" dur="indefinite" restart="never" nodeType="tmRoot"/>
+      </p:par>
+    </p:tnLst>
+  </p:timing>
 </p:sld>
 </file>
 
@@ -34236,6 +34448,13 @@
   <p:clrMapOvr>
     <a:masterClrMapping/>
   </p:clrMapOvr>
+  <p:timing>
+    <p:tnLst>
+      <p:par>
+        <p:cTn id="1" dur="indefinite" restart="never" nodeType="tmRoot"/>
+      </p:par>
+    </p:tnLst>
+  </p:timing>
 </p:sld>
 </file>
 
@@ -34376,6 +34595,13 @@
   <p:clrMapOvr>
     <a:masterClrMapping/>
   </p:clrMapOvr>
+  <p:timing>
+    <p:tnLst>
+      <p:par>
+        <p:cTn id="1" dur="indefinite" restart="never" nodeType="tmRoot"/>
+      </p:par>
+    </p:tnLst>
+  </p:timing>
 </p:sld>
 </file>
 
@@ -34464,6 +34690,13 @@
   <p:clrMapOvr>
     <a:masterClrMapping/>
   </p:clrMapOvr>
+  <p:timing>
+    <p:tnLst>
+      <p:par>
+        <p:cTn id="1" dur="indefinite" restart="never" nodeType="tmRoot"/>
+      </p:par>
+    </p:tnLst>
+  </p:timing>
 </p:sld>
 </file>
 
@@ -34542,6 +34775,13 @@
   <p:clrMapOvr>
     <a:masterClrMapping/>
   </p:clrMapOvr>
+  <p:timing>
+    <p:tnLst>
+      <p:par>
+        <p:cTn id="1" dur="indefinite" restart="never" nodeType="tmRoot"/>
+      </p:par>
+    </p:tnLst>
+  </p:timing>
 </p:sld>
 </file>
 

--- a/Disser/Presentation/DUBNAPresentationX-short.pptx
+++ b/Disser/Presentation/DUBNAPresentationX-short.pptx
@@ -1155,237 +1155,6 @@
       <dsp:cNvGrpSpPr/>
     </dsp:nvGrpSpPr>
     <dsp:grpSpPr/>
-    <dsp:sp modelId="{12EC507E-1F3A-48B8-AAA2-BFC6B636C103}">
-      <dsp:nvSpPr>
-        <dsp:cNvPr id="0" name=""/>
-        <dsp:cNvSpPr/>
-      </dsp:nvSpPr>
-      <dsp:spPr>
-        <a:xfrm>
-          <a:off x="0" y="158714"/>
-          <a:ext cx="6328800" cy="671580"/>
-        </a:xfrm>
-        <a:prstGeom prst="roundRect">
-          <a:avLst/>
-        </a:prstGeom>
-        <a:solidFill>
-          <a:schemeClr val="accent1">
-            <a:hueOff val="0"/>
-            <a:satOff val="0"/>
-            <a:lumOff val="0"/>
-            <a:alphaOff val="0"/>
-          </a:schemeClr>
-        </a:solidFill>
-        <a:ln w="25400" cap="flat" cmpd="sng" algn="ctr">
-          <a:solidFill>
-            <a:schemeClr val="lt1">
-              <a:hueOff val="0"/>
-              <a:satOff val="0"/>
-              <a:lumOff val="0"/>
-              <a:alphaOff val="0"/>
-            </a:schemeClr>
-          </a:solidFill>
-          <a:prstDash val="solid"/>
-        </a:ln>
-        <a:effectLst/>
-      </dsp:spPr>
-      <dsp:style>
-        <a:lnRef idx="2">
-          <a:scrgbClr r="0" g="0" b="0"/>
-        </a:lnRef>
-        <a:fillRef idx="1">
-          <a:scrgbClr r="0" g="0" b="0"/>
-        </a:fillRef>
-        <a:effectRef idx="0">
-          <a:scrgbClr r="0" g="0" b="0"/>
-        </a:effectRef>
-        <a:fontRef idx="minor">
-          <a:schemeClr val="lt1"/>
-        </a:fontRef>
-      </dsp:style>
-      <dsp:txBody>
-        <a:bodyPr spcFirstLastPara="0" vert="horz" wrap="square" lIns="106680" tIns="106680" rIns="106680" bIns="106680" numCol="1" spcCol="1270" anchor="ctr" anchorCtr="0">
-          <a:noAutofit/>
-        </a:bodyPr>
-        <a:lstStyle/>
-        <a:p>
-          <a:pPr lvl="0" algn="l" defTabSz="1244600" rtl="0">
-            <a:lnSpc>
-              <a:spcPct val="90000"/>
-            </a:lnSpc>
-            <a:spcBef>
-              <a:spcPct val="0"/>
-            </a:spcBef>
-            <a:spcAft>
-              <a:spcPct val="35000"/>
-            </a:spcAft>
-          </a:pPr>
-          <a:r>
-            <a:rPr lang="ru-RU" sz="2800" kern="1200" smtClean="0"/>
-            <a:t>6 уровней мышления.</a:t>
-          </a:r>
-          <a:endParaRPr lang="ru-RU" sz="2800" kern="1200"/>
-        </a:p>
-      </dsp:txBody>
-      <dsp:txXfrm>
-        <a:off x="32784" y="191498"/>
-        <a:ext cx="6263232" cy="606012"/>
-      </dsp:txXfrm>
-    </dsp:sp>
-    <dsp:sp modelId="{9A97C20C-5145-4ED3-8140-13B8976A7F84}">
-      <dsp:nvSpPr>
-        <dsp:cNvPr id="0" name=""/>
-        <dsp:cNvSpPr/>
-      </dsp:nvSpPr>
-      <dsp:spPr>
-        <a:xfrm>
-          <a:off x="0" y="910935"/>
-          <a:ext cx="6328800" cy="671580"/>
-        </a:xfrm>
-        <a:prstGeom prst="roundRect">
-          <a:avLst/>
-        </a:prstGeom>
-        <a:solidFill>
-          <a:schemeClr val="accent1">
-            <a:hueOff val="0"/>
-            <a:satOff val="0"/>
-            <a:lumOff val="0"/>
-            <a:alphaOff val="0"/>
-          </a:schemeClr>
-        </a:solidFill>
-        <a:ln w="25400" cap="flat" cmpd="sng" algn="ctr">
-          <a:solidFill>
-            <a:schemeClr val="lt1">
-              <a:hueOff val="0"/>
-              <a:satOff val="0"/>
-              <a:lumOff val="0"/>
-              <a:alphaOff val="0"/>
-            </a:schemeClr>
-          </a:solidFill>
-          <a:prstDash val="solid"/>
-        </a:ln>
-        <a:effectLst/>
-      </dsp:spPr>
-      <dsp:style>
-        <a:lnRef idx="2">
-          <a:scrgbClr r="0" g="0" b="0"/>
-        </a:lnRef>
-        <a:fillRef idx="1">
-          <a:scrgbClr r="0" g="0" b="0"/>
-        </a:fillRef>
-        <a:effectRef idx="0">
-          <a:scrgbClr r="0" g="0" b="0"/>
-        </a:effectRef>
-        <a:fontRef idx="minor">
-          <a:schemeClr val="lt1"/>
-        </a:fontRef>
-      </dsp:style>
-      <dsp:txBody>
-        <a:bodyPr spcFirstLastPara="0" vert="horz" wrap="square" lIns="106680" tIns="106680" rIns="106680" bIns="106680" numCol="1" spcCol="1270" anchor="ctr" anchorCtr="0">
-          <a:noAutofit/>
-        </a:bodyPr>
-        <a:lstStyle/>
-        <a:p>
-          <a:pPr lvl="0" algn="l" defTabSz="1244600" rtl="0">
-            <a:lnSpc>
-              <a:spcPct val="90000"/>
-            </a:lnSpc>
-            <a:spcBef>
-              <a:spcPct val="0"/>
-            </a:spcBef>
-            <a:spcAft>
-              <a:spcPct val="35000"/>
-            </a:spcAft>
-          </a:pPr>
-          <a:r>
-            <a:rPr lang="ru-RU" sz="2800" kern="1200" dirty="0" smtClean="0"/>
-            <a:t>Селектор-&gt; Критик -&gt; Образ мышления</a:t>
-          </a:r>
-          <a:endParaRPr lang="ru-RU" sz="2800" kern="1200" dirty="0"/>
-        </a:p>
-      </dsp:txBody>
-      <dsp:txXfrm>
-        <a:off x="32784" y="943719"/>
-        <a:ext cx="6263232" cy="606012"/>
-      </dsp:txXfrm>
-    </dsp:sp>
-    <dsp:sp modelId="{CCD7CB61-CB6B-431E-8EE8-2F04D65B0C80}">
-      <dsp:nvSpPr>
-        <dsp:cNvPr id="0" name=""/>
-        <dsp:cNvSpPr/>
-      </dsp:nvSpPr>
-      <dsp:spPr>
-        <a:xfrm>
-          <a:off x="0" y="1663155"/>
-          <a:ext cx="6328800" cy="671580"/>
-        </a:xfrm>
-        <a:prstGeom prst="roundRect">
-          <a:avLst/>
-        </a:prstGeom>
-        <a:solidFill>
-          <a:schemeClr val="accent1">
-            <a:hueOff val="0"/>
-            <a:satOff val="0"/>
-            <a:lumOff val="0"/>
-            <a:alphaOff val="0"/>
-          </a:schemeClr>
-        </a:solidFill>
-        <a:ln w="25400" cap="flat" cmpd="sng" algn="ctr">
-          <a:solidFill>
-            <a:schemeClr val="lt1">
-              <a:hueOff val="0"/>
-              <a:satOff val="0"/>
-              <a:lumOff val="0"/>
-              <a:alphaOff val="0"/>
-            </a:schemeClr>
-          </a:solidFill>
-          <a:prstDash val="solid"/>
-        </a:ln>
-        <a:effectLst/>
-      </dsp:spPr>
-      <dsp:style>
-        <a:lnRef idx="2">
-          <a:scrgbClr r="0" g="0" b="0"/>
-        </a:lnRef>
-        <a:fillRef idx="1">
-          <a:scrgbClr r="0" g="0" b="0"/>
-        </a:fillRef>
-        <a:effectRef idx="0">
-          <a:scrgbClr r="0" g="0" b="0"/>
-        </a:effectRef>
-        <a:fontRef idx="minor">
-          <a:schemeClr val="lt1"/>
-        </a:fontRef>
-      </dsp:style>
-      <dsp:txBody>
-        <a:bodyPr spcFirstLastPara="0" vert="horz" wrap="square" lIns="106680" tIns="106680" rIns="106680" bIns="106680" numCol="1" spcCol="1270" anchor="ctr" anchorCtr="0">
-          <a:noAutofit/>
-        </a:bodyPr>
-        <a:lstStyle/>
-        <a:p>
-          <a:pPr lvl="0" algn="l" defTabSz="1244600" rtl="0">
-            <a:lnSpc>
-              <a:spcPct val="90000"/>
-            </a:lnSpc>
-            <a:spcBef>
-              <a:spcPct val="0"/>
-            </a:spcBef>
-            <a:spcAft>
-              <a:spcPct val="35000"/>
-            </a:spcAft>
-          </a:pPr>
-          <a:r>
-            <a:rPr lang="ru-RU" sz="2800" kern="1200" smtClean="0"/>
-            <a:t>Структуры данных</a:t>
-          </a:r>
-          <a:endParaRPr lang="ru-RU" sz="2800" kern="1200"/>
-        </a:p>
-      </dsp:txBody>
-      <dsp:txXfrm>
-        <a:off x="32784" y="1695939"/>
-        <a:ext cx="6263232" cy="606012"/>
-      </dsp:txXfrm>
-    </dsp:sp>
   </dsp:spTree>
 </dsp:drawing>
 </file>
@@ -2674,7 +2443,7 @@
             <a:fld id="{8498BBCD-A9EC-4E07-A698-E7B8B2576754}" type="datetimeFigureOut">
               <a:rPr lang="ru-RU" smtClean="0"/>
               <a:pPr/>
-              <a:t>20.04.2016</a:t>
+              <a:t>16.06.2016</a:t>
             </a:fld>
             <a:endParaRPr lang="ru-RU"/>
           </a:p>
@@ -12295,7 +12064,7 @@
             <a:fld id="{1D8BD707-D9CF-40AE-B4C6-C98DA3205C09}" type="datetimeFigureOut">
               <a:rPr lang="en-US" smtClean="0"/>
               <a:pPr/>
-              <a:t>4/20/2016</a:t>
+              <a:t>6/16/2016</a:t>
             </a:fld>
             <a:endParaRPr lang="en-US"/>
           </a:p>
@@ -12615,7 +12384,7 @@
             <a:fld id="{1D8BD707-D9CF-40AE-B4C6-C98DA3205C09}" type="datetimeFigureOut">
               <a:rPr lang="en-US" smtClean="0"/>
               <a:pPr/>
-              <a:t>4/20/2016</a:t>
+              <a:t>6/16/2016</a:t>
             </a:fld>
             <a:endParaRPr lang="en-US"/>
           </a:p>
@@ -12965,7 +12734,7 @@
             <a:fld id="{1D8BD707-D9CF-40AE-B4C6-C98DA3205C09}" type="datetimeFigureOut">
               <a:rPr lang="en-US" smtClean="0"/>
               <a:pPr/>
-              <a:t>4/20/2016</a:t>
+              <a:t>6/16/2016</a:t>
             </a:fld>
             <a:endParaRPr lang="en-US"/>
           </a:p>
@@ -13891,7 +13660,7 @@
             <a:fld id="{1D8BD707-D9CF-40AE-B4C6-C98DA3205C09}" type="datetimeFigureOut">
               <a:rPr lang="en-US" smtClean="0"/>
               <a:pPr/>
-              <a:t>4/20/2016</a:t>
+              <a:t>6/16/2016</a:t>
             </a:fld>
             <a:endParaRPr lang="en-US" dirty="0"/>
           </a:p>
@@ -14297,7 +14066,7 @@
             <a:fld id="{1D8BD707-D9CF-40AE-B4C6-C98DA3205C09}" type="datetimeFigureOut">
               <a:rPr lang="en-US" smtClean="0"/>
               <a:pPr/>
-              <a:t>4/20/2016</a:t>
+              <a:t>6/16/2016</a:t>
             </a:fld>
             <a:endParaRPr lang="en-US"/>
           </a:p>
@@ -14683,7 +14452,7 @@
             <a:fld id="{1D8BD707-D9CF-40AE-B4C6-C98DA3205C09}" type="datetimeFigureOut">
               <a:rPr lang="en-US" smtClean="0"/>
               <a:pPr/>
-              <a:t>4/20/2016</a:t>
+              <a:t>6/16/2016</a:t>
             </a:fld>
             <a:endParaRPr lang="en-US"/>
           </a:p>
@@ -15165,7 +14934,7 @@
             <a:fld id="{1D8BD707-D9CF-40AE-B4C6-C98DA3205C09}" type="datetimeFigureOut">
               <a:rPr lang="en-US" smtClean="0"/>
               <a:pPr/>
-              <a:t>4/20/2016</a:t>
+              <a:t>6/16/2016</a:t>
             </a:fld>
             <a:endParaRPr lang="en-US"/>
           </a:p>
@@ -15741,7 +15510,7 @@
             <a:fld id="{1D8BD707-D9CF-40AE-B4C6-C98DA3205C09}" type="datetimeFigureOut">
               <a:rPr lang="en-US" smtClean="0"/>
               <a:pPr/>
-              <a:t>4/20/2016</a:t>
+              <a:t>6/16/2016</a:t>
             </a:fld>
             <a:endParaRPr lang="en-US"/>
           </a:p>
@@ -15970,7 +15739,7 @@
             <a:fld id="{1D8BD707-D9CF-40AE-B4C6-C98DA3205C09}" type="datetimeFigureOut">
               <a:rPr lang="en-US" smtClean="0"/>
               <a:pPr/>
-              <a:t>4/20/2016</a:t>
+              <a:t>6/16/2016</a:t>
             </a:fld>
             <a:endParaRPr lang="en-US"/>
           </a:p>
@@ -16390,7 +16159,7 @@
             <a:fld id="{1D8BD707-D9CF-40AE-B4C6-C98DA3205C09}" type="datetimeFigureOut">
               <a:rPr lang="en-US" smtClean="0"/>
               <a:pPr/>
-              <a:t>4/20/2016</a:t>
+              <a:t>6/16/2016</a:t>
             </a:fld>
             <a:endParaRPr lang="en-US"/>
           </a:p>
@@ -17075,8 +16844,12 @@
           <a:lstStyle/>
           <a:p>
             <a:r>
+              <a:rPr lang="ru-RU" b="1" dirty="0" smtClean="0"/>
+              <a:t>ИНТЕЛЛЕКТУАЛЬНАЯ </a:t>
+            </a:r>
+            <a:r>
               <a:rPr lang="ru-RU" b="1" dirty="0"/>
-              <a:t>АВТОМАТИЗИРОВАННАЯ ИНТЕЛЛЕКТУАЛЬНАЯ СИСТЕМА ПОВЫШЕНИЯ ЭФФЕКТИВНОСТИ ИТ-СЛУЖБЫ ПРЕДПРИЯТИЯ </a:t>
+              <a:t>СИСТЕМА ПОВЫШЕНИЯ ЭФФЕКТИВНОСТИ ИТ-СЛУЖБЫ ПРЕДПРИЯТИЯ </a:t>
             </a:r>
             <a:endParaRPr lang="ru-RU" dirty="0"/>
           </a:p>
